--- a/Training-material/day 2/07a_bootcamp-part2.pptx
+++ b/Training-material/day 2/07a_bootcamp-part2.pptx
@@ -3213,18 +3213,6 @@
   <p:clrMapOvr>
     <a:masterClrMapping/>
   </p:clrMapOvr>
-  <mc:AlternateContent>
-    <mc:Choice Requires="p14">
-      <p:transition spd="slow" p14:dur="700">
-        <p:fade/>
-      </p:transition>
-    </mc:Choice>
-    <mc:Fallback>
-      <p:transition spd="slow">
-        <p:fade/>
-      </p:transition>
-    </mc:Fallback>
-  </mc:AlternateContent>
   <p:extLst>
     <p:ext uri="{DCECCB84-F9BA-43D5-87BE-67443E8EF086}">
       <p15:sldGuideLst>
@@ -3717,18 +3705,6 @@
   <p:clrMapOvr>
     <a:masterClrMapping/>
   </p:clrMapOvr>
-  <mc:AlternateContent>
-    <mc:Choice Requires="p14">
-      <p:transition spd="slow" p14:dur="700">
-        <p:fade/>
-      </p:transition>
-    </mc:Choice>
-    <mc:Fallback>
-      <p:transition spd="slow">
-        <p:fade/>
-      </p:transition>
-    </mc:Fallback>
-  </mc:AlternateContent>
   <p:extLst>
     <p:ext uri="{DCECCB84-F9BA-43D5-87BE-67443E8EF086}">
       <p15:sldGuideLst>
@@ -4193,18 +4169,6 @@
   <p:clrMapOvr>
     <a:masterClrMapping/>
   </p:clrMapOvr>
-  <mc:AlternateContent>
-    <mc:Choice Requires="p14">
-      <p:transition spd="slow" p14:dur="700">
-        <p:fade/>
-      </p:transition>
-    </mc:Choice>
-    <mc:Fallback>
-      <p:transition spd="slow">
-        <p:fade/>
-      </p:transition>
-    </mc:Fallback>
-  </mc:AlternateContent>
   <p:extLst>
     <p:ext uri="{DCECCB84-F9BA-43D5-87BE-67443E8EF086}">
       <p15:sldGuideLst>
@@ -4621,18 +4585,6 @@
   <p:clrMapOvr>
     <a:masterClrMapping/>
   </p:clrMapOvr>
-  <mc:AlternateContent>
-    <mc:Choice Requires="p14">
-      <p:transition spd="slow" p14:dur="700">
-        <p:fade/>
-      </p:transition>
-    </mc:Choice>
-    <mc:Fallback>
-      <p:transition spd="slow">
-        <p:fade/>
-      </p:transition>
-    </mc:Fallback>
-  </mc:AlternateContent>
   <p:extLst>
     <p:ext uri="{DCECCB84-F9BA-43D5-87BE-67443E8EF086}">
       <p15:sldGuideLst>
@@ -5049,18 +5001,6 @@
   <p:clrMapOvr>
     <a:masterClrMapping/>
   </p:clrMapOvr>
-  <mc:AlternateContent>
-    <mc:Choice Requires="p14">
-      <p:transition spd="slow" p14:dur="700">
-        <p:fade/>
-      </p:transition>
-    </mc:Choice>
-    <mc:Fallback>
-      <p:transition spd="slow">
-        <p:fade/>
-      </p:transition>
-    </mc:Fallback>
-  </mc:AlternateContent>
   <p:extLst>
     <p:ext uri="{DCECCB84-F9BA-43D5-87BE-67443E8EF086}">
       <p15:sldGuideLst>
@@ -5307,18 +5247,6 @@
   <p:clrMapOvr>
     <a:masterClrMapping/>
   </p:clrMapOvr>
-  <mc:AlternateContent>
-    <mc:Choice Requires="p14">
-      <p:transition spd="slow" p14:dur="700">
-        <p:fade/>
-      </p:transition>
-    </mc:Choice>
-    <mc:Fallback>
-      <p:transition spd="slow">
-        <p:fade/>
-      </p:transition>
-    </mc:Fallback>
-  </mc:AlternateContent>
   <p:extLst>
     <p:ext uri="{DCECCB84-F9BA-43D5-87BE-67443E8EF086}">
       <p15:sldGuideLst>
@@ -6631,18 +6559,6 @@
     <p:sldLayoutId id="2147483655" r:id="rId8"/>
     <p:sldLayoutId id="2147483656" r:id="rId9"/>
   </p:sldLayoutIdLst>
-  <mc:AlternateContent>
-    <mc:Choice Requires="p14">
-      <p:transition spd="slow" p14:dur="700">
-        <p:fade/>
-      </p:transition>
-    </mc:Choice>
-    <mc:Fallback>
-      <p:transition spd="slow">
-        <p:fade/>
-      </p:transition>
-    </mc:Fallback>
-  </mc:AlternateContent>
   <p:hf dt="0" ftr="0" hdr="0"/>
   <p:txStyles>
     <p:titleStyle>
@@ -8046,9 +7962,6 @@
   <p:clrMapOvr>
     <a:masterClrMapping/>
   </p:clrMapOvr>
-  <p:transition spd="slow">
-    <p:fade/>
-  </p:transition>
 </p:sld>
 </file>
 
@@ -8288,9 +8201,6 @@
   <p:clrMapOvr>
     <a:masterClrMapping/>
   </p:clrMapOvr>
-  <p:transition spd="slow">
-    <p:fade/>
-  </p:transition>
 </p:sld>
 </file>
 
@@ -8662,9 +8572,6 @@
   <p:clrMapOvr>
     <a:masterClrMapping/>
   </p:clrMapOvr>
-  <p:transition spd="slow">
-    <p:fade/>
-  </p:transition>
 </p:sld>
 </file>
 
@@ -9276,9 +9183,6 @@
   <p:clrMapOvr>
     <a:masterClrMapping/>
   </p:clrMapOvr>
-  <p:transition spd="slow">
-    <p:fade/>
-  </p:transition>
 </p:sld>
 </file>
 
@@ -9811,21 +9715,22 @@
       </p:pic>
       <p:pic>
         <p:nvPicPr>
-          <p:cNvPr descr="Picture 10" id="115" name="Google Shape;115;p6"/>
+          <p:cNvPr id="115" name="Google Shape;115;p6"/>
           <p:cNvPicPr preferRelativeResize="0"/>
           <p:nvPr/>
         </p:nvPicPr>
-        <p:blipFill rotWithShape="1">
+        <p:blipFill>
           <a:blip r:embed="rId4">
             <a:alphaModFix/>
           </a:blip>
-          <a:srcRect b="0" l="0" r="0" t="0"/>
-          <a:stretch/>
+          <a:stretch>
+            <a:fillRect/>
+          </a:stretch>
         </p:blipFill>
         <p:spPr>
-          <a:xfrm rot="561636">
-            <a:off x="4592621" y="1852935"/>
-            <a:ext cx="3577408" cy="2478141"/>
+          <a:xfrm rot="561634">
+            <a:off x="4553391" y="1624981"/>
+            <a:ext cx="3293144" cy="2884336"/>
           </a:xfrm>
           <a:prstGeom prst="rect">
             <a:avLst/>
@@ -9841,9 +9746,6 @@
   <p:clrMapOvr>
     <a:masterClrMapping/>
   </p:clrMapOvr>
-  <p:transition spd="slow">
-    <p:fade/>
-  </p:transition>
 </p:sld>
 </file>
 
@@ -10083,9 +9985,6 @@
   <p:clrMapOvr>
     <a:masterClrMapping/>
   </p:clrMapOvr>
-  <p:transition spd="slow">
-    <p:fade/>
-  </p:transition>
 </p:sld>
 </file>
 
@@ -10395,9 +10294,6 @@
   <p:clrMapOvr>
     <a:masterClrMapping/>
   </p:clrMapOvr>
-  <p:transition spd="slow">
-    <p:fade/>
-  </p:transition>
 </p:sld>
 </file>
 
@@ -10845,6 +10741,285 @@
 </file>
 
 <file path=ppt/theme/theme1.xml><?xml version="1.0" encoding="utf-8"?>
+<a:theme xmlns:a="http://schemas.openxmlformats.org/drawingml/2006/main" xmlns:r="http://schemas.openxmlformats.org/officeDocument/2006/relationships" name="InfluxDays Template">
+  <a:themeElements>
+    <a:clrScheme name="InfluxDays 2019">
+      <a:dk1>
+        <a:srgbClr val="000000"/>
+      </a:dk1>
+      <a:lt1>
+        <a:srgbClr val="FFFFFF"/>
+      </a:lt1>
+      <a:dk2>
+        <a:srgbClr val="13002C"/>
+      </a:dk2>
+      <a:lt2>
+        <a:srgbClr val="BEC2CC"/>
+      </a:lt2>
+      <a:accent1>
+        <a:srgbClr val="00C9FF"/>
+      </a:accent1>
+      <a:accent2>
+        <a:srgbClr val="D6F622"/>
+      </a:accent2>
+      <a:accent3>
+        <a:srgbClr val="BF2FE5"/>
+      </a:accent3>
+      <a:accent4>
+        <a:srgbClr val="155C06"/>
+      </a:accent4>
+      <a:accent5>
+        <a:srgbClr val="088C15"/>
+      </a:accent5>
+      <a:accent6>
+        <a:srgbClr val="59BB46"/>
+      </a:accent6>
+      <a:hlink>
+        <a:srgbClr val="0563C1"/>
+      </a:hlink>
+      <a:folHlink>
+        <a:srgbClr val="711C89"/>
+      </a:folHlink>
+    </a:clrScheme>
+    <a:fontScheme name="Office">
+      <a:majorFont>
+        <a:latin typeface="Arial"/>
+        <a:ea typeface=""/>
+        <a:cs typeface=""/>
+        <a:font script="Jpan" typeface="ＭＳ Ｐゴシック"/>
+        <a:font script="Hang" typeface="맑은 고딕"/>
+        <a:font script="Hans" typeface="宋体"/>
+        <a:font script="Hant" typeface="新細明體"/>
+        <a:font script="Arab" typeface="Times New Roman"/>
+        <a:font script="Hebr" typeface="Times New Roman"/>
+        <a:font script="Thai" typeface="Angsana New"/>
+        <a:font script="Ethi" typeface="Nyala"/>
+        <a:font script="Beng" typeface="Vrinda"/>
+        <a:font script="Gujr" typeface="Shruti"/>
+        <a:font script="Khmr" typeface="MoolBoran"/>
+        <a:font script="Knda" typeface="Tunga"/>
+        <a:font script="Guru" typeface="Raavi"/>
+        <a:font script="Cans" typeface="Euphemia"/>
+        <a:font script="Cher" typeface="Plantagenet Cherokee"/>
+        <a:font script="Yiii" typeface="Microsoft Yi Baiti"/>
+        <a:font script="Tibt" typeface="Microsoft Himalaya"/>
+        <a:font script="Thaa" typeface="MV Boli"/>
+        <a:font script="Deva" typeface="Mangal"/>
+        <a:font script="Telu" typeface="Gautami"/>
+        <a:font script="Taml" typeface="Latha"/>
+        <a:font script="Syrc" typeface="Estrangelo Edessa"/>
+        <a:font script="Orya" typeface="Kalinga"/>
+        <a:font script="Mlym" typeface="Kartika"/>
+        <a:font script="Laoo" typeface="DokChampa"/>
+        <a:font script="Sinh" typeface="Iskoola Pota"/>
+        <a:font script="Mong" typeface="Mongolian Baiti"/>
+        <a:font script="Viet" typeface="Times New Roman"/>
+        <a:font script="Uigh" typeface="Microsoft Uighur"/>
+        <a:font script="Geor" typeface="Sylfaen"/>
+      </a:majorFont>
+      <a:minorFont>
+        <a:latin typeface="Arial"/>
+        <a:ea typeface=""/>
+        <a:cs typeface=""/>
+        <a:font script="Jpan" typeface="ＭＳ Ｐゴシック"/>
+        <a:font script="Hang" typeface="맑은 고딕"/>
+        <a:font script="Hans" typeface="宋体"/>
+        <a:font script="Hant" typeface="新細明體"/>
+        <a:font script="Arab" typeface="Arial"/>
+        <a:font script="Hebr" typeface="Arial"/>
+        <a:font script="Thai" typeface="Cordia New"/>
+        <a:font script="Ethi" typeface="Nyala"/>
+        <a:font script="Beng" typeface="Vrinda"/>
+        <a:font script="Gujr" typeface="Shruti"/>
+        <a:font script="Khmr" typeface="DaunPenh"/>
+        <a:font script="Knda" typeface="Tunga"/>
+        <a:font script="Guru" typeface="Raavi"/>
+        <a:font script="Cans" typeface="Euphemia"/>
+        <a:font script="Cher" typeface="Plantagenet Cherokee"/>
+        <a:font script="Yiii" typeface="Microsoft Yi Baiti"/>
+        <a:font script="Tibt" typeface="Microsoft Himalaya"/>
+        <a:font script="Thaa" typeface="MV Boli"/>
+        <a:font script="Deva" typeface="Mangal"/>
+        <a:font script="Telu" typeface="Gautami"/>
+        <a:font script="Taml" typeface="Latha"/>
+        <a:font script="Syrc" typeface="Estrangelo Edessa"/>
+        <a:font script="Orya" typeface="Kalinga"/>
+        <a:font script="Mlym" typeface="Kartika"/>
+        <a:font script="Laoo" typeface="DokChampa"/>
+        <a:font script="Sinh" typeface="Iskoola Pota"/>
+        <a:font script="Mong" typeface="Mongolian Baiti"/>
+        <a:font script="Viet" typeface="Arial"/>
+        <a:font script="Uigh" typeface="Microsoft Uighur"/>
+        <a:font script="Geor" typeface="Sylfaen"/>
+      </a:minorFont>
+    </a:fontScheme>
+    <a:fmtScheme name="Office">
+      <a:fillStyleLst>
+        <a:solidFill>
+          <a:schemeClr val="phClr"/>
+        </a:solidFill>
+        <a:gradFill rotWithShape="1">
+          <a:gsLst>
+            <a:gs pos="0">
+              <a:schemeClr val="phClr">
+                <a:tint val="50000"/>
+                <a:satMod val="300000"/>
+              </a:schemeClr>
+            </a:gs>
+            <a:gs pos="35000">
+              <a:schemeClr val="phClr">
+                <a:tint val="37000"/>
+                <a:satMod val="300000"/>
+              </a:schemeClr>
+            </a:gs>
+            <a:gs pos="100000">
+              <a:schemeClr val="phClr">
+                <a:tint val="15000"/>
+                <a:satMod val="350000"/>
+              </a:schemeClr>
+            </a:gs>
+          </a:gsLst>
+          <a:lin ang="16200000" scaled="1"/>
+        </a:gradFill>
+        <a:gradFill rotWithShape="1">
+          <a:gsLst>
+            <a:gs pos="0">
+              <a:schemeClr val="phClr">
+                <a:tint val="100000"/>
+                <a:shade val="100000"/>
+                <a:satMod val="130000"/>
+              </a:schemeClr>
+            </a:gs>
+            <a:gs pos="100000">
+              <a:schemeClr val="phClr">
+                <a:tint val="50000"/>
+                <a:shade val="100000"/>
+                <a:satMod val="350000"/>
+              </a:schemeClr>
+            </a:gs>
+          </a:gsLst>
+          <a:lin ang="16200000" scaled="0"/>
+        </a:gradFill>
+      </a:fillStyleLst>
+      <a:lnStyleLst>
+        <a:ln w="9525" cap="flat" cmpd="sng" algn="ctr">
+          <a:solidFill>
+            <a:schemeClr val="phClr">
+              <a:shade val="95000"/>
+              <a:satMod val="105000"/>
+            </a:schemeClr>
+          </a:solidFill>
+          <a:prstDash val="solid"/>
+        </a:ln>
+        <a:ln w="25400" cap="flat" cmpd="sng" algn="ctr">
+          <a:solidFill>
+            <a:schemeClr val="phClr"/>
+          </a:solidFill>
+          <a:prstDash val="solid"/>
+        </a:ln>
+        <a:ln w="38100" cap="flat" cmpd="sng" algn="ctr">
+          <a:solidFill>
+            <a:schemeClr val="phClr"/>
+          </a:solidFill>
+          <a:prstDash val="solid"/>
+        </a:ln>
+      </a:lnStyleLst>
+      <a:effectStyleLst>
+        <a:effectStyle>
+          <a:effectLst>
+            <a:outerShdw blurRad="40000" dist="20000" dir="5400000" rotWithShape="0">
+              <a:srgbClr val="000000">
+                <a:alpha val="38000"/>
+              </a:srgbClr>
+            </a:outerShdw>
+          </a:effectLst>
+        </a:effectStyle>
+        <a:effectStyle>
+          <a:effectLst>
+            <a:outerShdw blurRad="40000" dist="23000" dir="5400000" rotWithShape="0">
+              <a:srgbClr val="000000">
+                <a:alpha val="35000"/>
+              </a:srgbClr>
+            </a:outerShdw>
+          </a:effectLst>
+        </a:effectStyle>
+        <a:effectStyle>
+          <a:effectLst>
+            <a:outerShdw blurRad="40000" dist="23000" dir="5400000" rotWithShape="0">
+              <a:srgbClr val="000000">
+                <a:alpha val="35000"/>
+              </a:srgbClr>
+            </a:outerShdw>
+          </a:effectLst>
+          <a:scene3d>
+            <a:camera prst="orthographicFront">
+              <a:rot lat="0" lon="0" rev="0"/>
+            </a:camera>
+            <a:lightRig rig="threePt" dir="t">
+              <a:rot lat="0" lon="0" rev="1200000"/>
+            </a:lightRig>
+          </a:scene3d>
+          <a:sp3d>
+            <a:bevelT w="63500" h="25400"/>
+          </a:sp3d>
+        </a:effectStyle>
+      </a:effectStyleLst>
+      <a:bgFillStyleLst>
+        <a:solidFill>
+          <a:schemeClr val="phClr"/>
+        </a:solidFill>
+        <a:gradFill rotWithShape="1">
+          <a:gsLst>
+            <a:gs pos="0">
+              <a:schemeClr val="phClr">
+                <a:tint val="40000"/>
+                <a:satMod val="350000"/>
+              </a:schemeClr>
+            </a:gs>
+            <a:gs pos="40000">
+              <a:schemeClr val="phClr">
+                <a:tint val="45000"/>
+                <a:shade val="99000"/>
+                <a:satMod val="350000"/>
+              </a:schemeClr>
+            </a:gs>
+            <a:gs pos="100000">
+              <a:schemeClr val="phClr">
+                <a:shade val="20000"/>
+                <a:satMod val="255000"/>
+              </a:schemeClr>
+            </a:gs>
+          </a:gsLst>
+          <a:path path="circle">
+            <a:fillToRect l="50000" t="-80000" r="50000" b="180000"/>
+          </a:path>
+        </a:gradFill>
+        <a:gradFill rotWithShape="1">
+          <a:gsLst>
+            <a:gs pos="0">
+              <a:schemeClr val="phClr">
+                <a:tint val="80000"/>
+                <a:satMod val="300000"/>
+              </a:schemeClr>
+            </a:gs>
+            <a:gs pos="100000">
+              <a:schemeClr val="phClr">
+                <a:shade val="30000"/>
+                <a:satMod val="200000"/>
+              </a:schemeClr>
+            </a:gs>
+          </a:gsLst>
+          <a:path path="circle">
+            <a:fillToRect l="50000" t="50000" r="50000" b="50000"/>
+          </a:path>
+        </a:gradFill>
+      </a:bgFillStyleLst>
+    </a:fmtScheme>
+  </a:themeElements>
+</a:theme>
+</file>
+
+<file path=ppt/theme/theme2.xml><?xml version="1.0" encoding="utf-8"?>
 <a:theme xmlns:a="http://schemas.openxmlformats.org/drawingml/2006/main" xmlns:r="http://schemas.openxmlformats.org/officeDocument/2006/relationships" name="1_InfluxDays Template">
   <a:themeElements>
     <a:clrScheme name="1_InfluxDays Template">
@@ -11121,283 +11296,4 @@
     </a:fmtScheme>
   </a:themeElements>
 </a:theme>
-</file>
-
-<file path=ppt/theme/theme2.xml><?xml version="1.0" encoding="utf-8"?>
-<a:theme xmlns:a="http://schemas.openxmlformats.org/drawingml/2006/main" xmlns:r="http://schemas.openxmlformats.org/officeDocument/2006/relationships" name="InfluxDays Template">
-  <a:themeElements>
-    <a:clrScheme name="InfluxDays 2019">
-      <a:dk1>
-        <a:srgbClr val="000000"/>
-      </a:dk1>
-      <a:lt1>
-        <a:srgbClr val="FFFFFF"/>
-      </a:lt1>
-      <a:dk2>
-        <a:srgbClr val="13002C"/>
-      </a:dk2>
-      <a:lt2>
-        <a:srgbClr val="BEC2CC"/>
-      </a:lt2>
-      <a:accent1>
-        <a:srgbClr val="00C9FF"/>
-      </a:accent1>
-      <a:accent2>
-        <a:srgbClr val="D6F622"/>
-      </a:accent2>
-      <a:accent3>
-        <a:srgbClr val="BF2FE5"/>
-      </a:accent3>
-      <a:accent4>
-        <a:srgbClr val="155C06"/>
-      </a:accent4>
-      <a:accent5>
-        <a:srgbClr val="088C15"/>
-      </a:accent5>
-      <a:accent6>
-        <a:srgbClr val="59BB46"/>
-      </a:accent6>
-      <a:hlink>
-        <a:srgbClr val="0563C1"/>
-      </a:hlink>
-      <a:folHlink>
-        <a:srgbClr val="711C89"/>
-      </a:folHlink>
-    </a:clrScheme>
-    <a:fontScheme name="Office">
-      <a:majorFont>
-        <a:latin typeface="Arial"/>
-        <a:ea typeface=""/>
-        <a:cs typeface=""/>
-        <a:font script="Jpan" typeface="ＭＳ Ｐゴシック"/>
-        <a:font script="Hang" typeface="맑은 고딕"/>
-        <a:font script="Hans" typeface="宋体"/>
-        <a:font script="Hant" typeface="新細明體"/>
-        <a:font script="Arab" typeface="Times New Roman"/>
-        <a:font script="Hebr" typeface="Times New Roman"/>
-        <a:font script="Thai" typeface="Angsana New"/>
-        <a:font script="Ethi" typeface="Nyala"/>
-        <a:font script="Beng" typeface="Vrinda"/>
-        <a:font script="Gujr" typeface="Shruti"/>
-        <a:font script="Khmr" typeface="MoolBoran"/>
-        <a:font script="Knda" typeface="Tunga"/>
-        <a:font script="Guru" typeface="Raavi"/>
-        <a:font script="Cans" typeface="Euphemia"/>
-        <a:font script="Cher" typeface="Plantagenet Cherokee"/>
-        <a:font script="Yiii" typeface="Microsoft Yi Baiti"/>
-        <a:font script="Tibt" typeface="Microsoft Himalaya"/>
-        <a:font script="Thaa" typeface="MV Boli"/>
-        <a:font script="Deva" typeface="Mangal"/>
-        <a:font script="Telu" typeface="Gautami"/>
-        <a:font script="Taml" typeface="Latha"/>
-        <a:font script="Syrc" typeface="Estrangelo Edessa"/>
-        <a:font script="Orya" typeface="Kalinga"/>
-        <a:font script="Mlym" typeface="Kartika"/>
-        <a:font script="Laoo" typeface="DokChampa"/>
-        <a:font script="Sinh" typeface="Iskoola Pota"/>
-        <a:font script="Mong" typeface="Mongolian Baiti"/>
-        <a:font script="Viet" typeface="Times New Roman"/>
-        <a:font script="Uigh" typeface="Microsoft Uighur"/>
-        <a:font script="Geor" typeface="Sylfaen"/>
-      </a:majorFont>
-      <a:minorFont>
-        <a:latin typeface="Arial"/>
-        <a:ea typeface=""/>
-        <a:cs typeface=""/>
-        <a:font script="Jpan" typeface="ＭＳ Ｐゴシック"/>
-        <a:font script="Hang" typeface="맑은 고딕"/>
-        <a:font script="Hans" typeface="宋体"/>
-        <a:font script="Hant" typeface="新細明體"/>
-        <a:font script="Arab" typeface="Arial"/>
-        <a:font script="Hebr" typeface="Arial"/>
-        <a:font script="Thai" typeface="Cordia New"/>
-        <a:font script="Ethi" typeface="Nyala"/>
-        <a:font script="Beng" typeface="Vrinda"/>
-        <a:font script="Gujr" typeface="Shruti"/>
-        <a:font script="Khmr" typeface="DaunPenh"/>
-        <a:font script="Knda" typeface="Tunga"/>
-        <a:font script="Guru" typeface="Raavi"/>
-        <a:font script="Cans" typeface="Euphemia"/>
-        <a:font script="Cher" typeface="Plantagenet Cherokee"/>
-        <a:font script="Yiii" typeface="Microsoft Yi Baiti"/>
-        <a:font script="Tibt" typeface="Microsoft Himalaya"/>
-        <a:font script="Thaa" typeface="MV Boli"/>
-        <a:font script="Deva" typeface="Mangal"/>
-        <a:font script="Telu" typeface="Gautami"/>
-        <a:font script="Taml" typeface="Latha"/>
-        <a:font script="Syrc" typeface="Estrangelo Edessa"/>
-        <a:font script="Orya" typeface="Kalinga"/>
-        <a:font script="Mlym" typeface="Kartika"/>
-        <a:font script="Laoo" typeface="DokChampa"/>
-        <a:font script="Sinh" typeface="Iskoola Pota"/>
-        <a:font script="Mong" typeface="Mongolian Baiti"/>
-        <a:font script="Viet" typeface="Arial"/>
-        <a:font script="Uigh" typeface="Microsoft Uighur"/>
-        <a:font script="Geor" typeface="Sylfaen"/>
-      </a:minorFont>
-    </a:fontScheme>
-    <a:fmtScheme name="Office">
-      <a:fillStyleLst>
-        <a:solidFill>
-          <a:schemeClr val="phClr"/>
-        </a:solidFill>
-        <a:gradFill rotWithShape="1">
-          <a:gsLst>
-            <a:gs pos="0">
-              <a:schemeClr val="phClr">
-                <a:tint val="50000"/>
-                <a:satMod val="300000"/>
-              </a:schemeClr>
-            </a:gs>
-            <a:gs pos="35000">
-              <a:schemeClr val="phClr">
-                <a:tint val="37000"/>
-                <a:satMod val="300000"/>
-              </a:schemeClr>
-            </a:gs>
-            <a:gs pos="100000">
-              <a:schemeClr val="phClr">
-                <a:tint val="15000"/>
-                <a:satMod val="350000"/>
-              </a:schemeClr>
-            </a:gs>
-          </a:gsLst>
-          <a:lin ang="16200000" scaled="1"/>
-        </a:gradFill>
-        <a:gradFill rotWithShape="1">
-          <a:gsLst>
-            <a:gs pos="0">
-              <a:schemeClr val="phClr">
-                <a:tint val="100000"/>
-                <a:shade val="100000"/>
-                <a:satMod val="130000"/>
-              </a:schemeClr>
-            </a:gs>
-            <a:gs pos="100000">
-              <a:schemeClr val="phClr">
-                <a:tint val="50000"/>
-                <a:shade val="100000"/>
-                <a:satMod val="350000"/>
-              </a:schemeClr>
-            </a:gs>
-          </a:gsLst>
-          <a:lin ang="16200000" scaled="0"/>
-        </a:gradFill>
-      </a:fillStyleLst>
-      <a:lnStyleLst>
-        <a:ln w="9525" cap="flat" cmpd="sng" algn="ctr">
-          <a:solidFill>
-            <a:schemeClr val="phClr">
-              <a:shade val="95000"/>
-              <a:satMod val="105000"/>
-            </a:schemeClr>
-          </a:solidFill>
-          <a:prstDash val="solid"/>
-        </a:ln>
-        <a:ln w="25400" cap="flat" cmpd="sng" algn="ctr">
-          <a:solidFill>
-            <a:schemeClr val="phClr"/>
-          </a:solidFill>
-          <a:prstDash val="solid"/>
-        </a:ln>
-        <a:ln w="38100" cap="flat" cmpd="sng" algn="ctr">
-          <a:solidFill>
-            <a:schemeClr val="phClr"/>
-          </a:solidFill>
-          <a:prstDash val="solid"/>
-        </a:ln>
-      </a:lnStyleLst>
-      <a:effectStyleLst>
-        <a:effectStyle>
-          <a:effectLst>
-            <a:outerShdw blurRad="40000" dist="20000" dir="5400000" rotWithShape="0">
-              <a:srgbClr val="000000">
-                <a:alpha val="38000"/>
-              </a:srgbClr>
-            </a:outerShdw>
-          </a:effectLst>
-        </a:effectStyle>
-        <a:effectStyle>
-          <a:effectLst>
-            <a:outerShdw blurRad="40000" dist="23000" dir="5400000" rotWithShape="0">
-              <a:srgbClr val="000000">
-                <a:alpha val="35000"/>
-              </a:srgbClr>
-            </a:outerShdw>
-          </a:effectLst>
-        </a:effectStyle>
-        <a:effectStyle>
-          <a:effectLst>
-            <a:outerShdw blurRad="40000" dist="23000" dir="5400000" rotWithShape="0">
-              <a:srgbClr val="000000">
-                <a:alpha val="35000"/>
-              </a:srgbClr>
-            </a:outerShdw>
-          </a:effectLst>
-          <a:scene3d>
-            <a:camera prst="orthographicFront">
-              <a:rot lat="0" lon="0" rev="0"/>
-            </a:camera>
-            <a:lightRig rig="threePt" dir="t">
-              <a:rot lat="0" lon="0" rev="1200000"/>
-            </a:lightRig>
-          </a:scene3d>
-          <a:sp3d>
-            <a:bevelT w="63500" h="25400"/>
-          </a:sp3d>
-        </a:effectStyle>
-      </a:effectStyleLst>
-      <a:bgFillStyleLst>
-        <a:solidFill>
-          <a:schemeClr val="phClr"/>
-        </a:solidFill>
-        <a:gradFill rotWithShape="1">
-          <a:gsLst>
-            <a:gs pos="0">
-              <a:schemeClr val="phClr">
-                <a:tint val="40000"/>
-                <a:satMod val="350000"/>
-              </a:schemeClr>
-            </a:gs>
-            <a:gs pos="40000">
-              <a:schemeClr val="phClr">
-                <a:tint val="45000"/>
-                <a:shade val="99000"/>
-                <a:satMod val="350000"/>
-              </a:schemeClr>
-            </a:gs>
-            <a:gs pos="100000">
-              <a:schemeClr val="phClr">
-                <a:shade val="20000"/>
-                <a:satMod val="255000"/>
-              </a:schemeClr>
-            </a:gs>
-          </a:gsLst>
-          <a:path path="circle">
-            <a:fillToRect l="50000" t="-80000" r="50000" b="180000"/>
-          </a:path>
-        </a:gradFill>
-        <a:gradFill rotWithShape="1">
-          <a:gsLst>
-            <a:gs pos="0">
-              <a:schemeClr val="phClr">
-                <a:tint val="80000"/>
-                <a:satMod val="300000"/>
-              </a:schemeClr>
-            </a:gs>
-            <a:gs pos="100000">
-              <a:schemeClr val="phClr">
-                <a:shade val="30000"/>
-                <a:satMod val="200000"/>
-              </a:schemeClr>
-            </a:gs>
-          </a:gsLst>
-          <a:path path="circle">
-            <a:fillToRect l="50000" t="50000" r="50000" b="50000"/>
-          </a:path>
-        </a:gradFill>
-      </a:bgFillStyleLst>
-    </a:fmtScheme>
-  </a:themeElements>
-</a:theme>
 </file>
--- a/Training-material/day 2/07a_bootcamp-part2.pptx
+++ b/Training-material/day 2/07a_bootcamp-part2.pptx
@@ -41,13 +41,6 @@
       <p:bold r:id="rId23"/>
       <p:italic r:id="rId24"/>
       <p:boldItalic r:id="rId25"/>
-    </p:embeddedFont>
-    <p:embeddedFont>
-      <p:font typeface="Helvetica Neue Light"/>
-      <p:regular r:id="rId26"/>
-      <p:bold r:id="rId27"/>
-      <p:italic r:id="rId28"/>
-      <p:boldItalic r:id="rId29"/>
     </p:embeddedFont>
   </p:embeddedFontLst>
   <p:defaultTextStyle>
@@ -281,7 +274,7 @@
   </p:defaultTextStyle>
   <p:extLst>
     <p:ext uri="http://customooxmlschemas.google.com/">
-      <go:slidesCustomData xmlns:go="http://customooxmlschemas.google.com/" r:id="rId30" roundtripDataSignature="AMtx7mgiGE/170XbVCvKSifbc7PBaN7P3Q=="/>
+      <go:slidesCustomData xmlns:go="http://customooxmlschemas.google.com/" r:id="rId26" roundtripDataSignature="AMtx7mh1lZo7ysYt352NvYN+h7EObNOLYg=="/>
     </p:ext>
   </p:extLst>
 </p:presentation>
@@ -377,15 +370,25 @@
           </a:bodyPr>
           <a:lstStyle>
             <a:lvl1pPr indent="-228600" lvl="0" marL="457200" marR="0" rtl="0" algn="l">
-              <a:spcBef>
-                <a:spcPts val="0"/>
-              </a:spcBef>
-              <a:spcAft>
-                <a:spcPts val="0"/>
-              </a:spcAft>
+              <a:lnSpc>
+                <a:spcPct val="100000"/>
+              </a:lnSpc>
+              <a:spcBef>
+                <a:spcPts val="0"/>
+              </a:spcBef>
+              <a:spcAft>
+                <a:spcPts val="0"/>
+              </a:spcAft>
+              <a:buClr>
+                <a:srgbClr val="000000"/>
+              </a:buClr>
               <a:buSzPts val="1400"/>
+              <a:buFont typeface="Arial"/>
               <a:buNone/>
               <a:defRPr b="0" i="0" sz="1400" u="none" cap="none" strike="noStrike">
+                <a:solidFill>
+                  <a:srgbClr val="000000"/>
+                </a:solidFill>
                 <a:latin typeface="Arial"/>
                 <a:ea typeface="Arial"/>
                 <a:cs typeface="Arial"/>
@@ -393,15 +396,25 @@
               </a:defRPr>
             </a:lvl1pPr>
             <a:lvl2pPr indent="-228600" lvl="1" marL="914400" marR="0" rtl="0" algn="l">
-              <a:spcBef>
-                <a:spcPts val="0"/>
-              </a:spcBef>
-              <a:spcAft>
-                <a:spcPts val="0"/>
-              </a:spcAft>
+              <a:lnSpc>
+                <a:spcPct val="100000"/>
+              </a:lnSpc>
+              <a:spcBef>
+                <a:spcPts val="0"/>
+              </a:spcBef>
+              <a:spcAft>
+                <a:spcPts val="0"/>
+              </a:spcAft>
+              <a:buClr>
+                <a:srgbClr val="000000"/>
+              </a:buClr>
               <a:buSzPts val="1400"/>
+              <a:buFont typeface="Arial"/>
               <a:buNone/>
               <a:defRPr b="0" i="0" sz="1400" u="none" cap="none" strike="noStrike">
+                <a:solidFill>
+                  <a:srgbClr val="000000"/>
+                </a:solidFill>
                 <a:latin typeface="Arial"/>
                 <a:ea typeface="Arial"/>
                 <a:cs typeface="Arial"/>
@@ -409,15 +422,25 @@
               </a:defRPr>
             </a:lvl2pPr>
             <a:lvl3pPr indent="-228600" lvl="2" marL="1371600" marR="0" rtl="0" algn="l">
-              <a:spcBef>
-                <a:spcPts val="0"/>
-              </a:spcBef>
-              <a:spcAft>
-                <a:spcPts val="0"/>
-              </a:spcAft>
+              <a:lnSpc>
+                <a:spcPct val="100000"/>
+              </a:lnSpc>
+              <a:spcBef>
+                <a:spcPts val="0"/>
+              </a:spcBef>
+              <a:spcAft>
+                <a:spcPts val="0"/>
+              </a:spcAft>
+              <a:buClr>
+                <a:srgbClr val="000000"/>
+              </a:buClr>
               <a:buSzPts val="1400"/>
+              <a:buFont typeface="Arial"/>
               <a:buNone/>
               <a:defRPr b="0" i="0" sz="1400" u="none" cap="none" strike="noStrike">
+                <a:solidFill>
+                  <a:srgbClr val="000000"/>
+                </a:solidFill>
                 <a:latin typeface="Arial"/>
                 <a:ea typeface="Arial"/>
                 <a:cs typeface="Arial"/>
@@ -425,15 +448,25 @@
               </a:defRPr>
             </a:lvl3pPr>
             <a:lvl4pPr indent="-228600" lvl="3" marL="1828800" marR="0" rtl="0" algn="l">
-              <a:spcBef>
-                <a:spcPts val="0"/>
-              </a:spcBef>
-              <a:spcAft>
-                <a:spcPts val="0"/>
-              </a:spcAft>
+              <a:lnSpc>
+                <a:spcPct val="100000"/>
+              </a:lnSpc>
+              <a:spcBef>
+                <a:spcPts val="0"/>
+              </a:spcBef>
+              <a:spcAft>
+                <a:spcPts val="0"/>
+              </a:spcAft>
+              <a:buClr>
+                <a:srgbClr val="000000"/>
+              </a:buClr>
               <a:buSzPts val="1400"/>
+              <a:buFont typeface="Arial"/>
               <a:buNone/>
               <a:defRPr b="0" i="0" sz="1400" u="none" cap="none" strike="noStrike">
+                <a:solidFill>
+                  <a:srgbClr val="000000"/>
+                </a:solidFill>
                 <a:latin typeface="Arial"/>
                 <a:ea typeface="Arial"/>
                 <a:cs typeface="Arial"/>
@@ -441,15 +474,25 @@
               </a:defRPr>
             </a:lvl4pPr>
             <a:lvl5pPr indent="-228600" lvl="4" marL="2286000" marR="0" rtl="0" algn="l">
-              <a:spcBef>
-                <a:spcPts val="0"/>
-              </a:spcBef>
-              <a:spcAft>
-                <a:spcPts val="0"/>
-              </a:spcAft>
+              <a:lnSpc>
+                <a:spcPct val="100000"/>
+              </a:lnSpc>
+              <a:spcBef>
+                <a:spcPts val="0"/>
+              </a:spcBef>
+              <a:spcAft>
+                <a:spcPts val="0"/>
+              </a:spcAft>
+              <a:buClr>
+                <a:srgbClr val="000000"/>
+              </a:buClr>
               <a:buSzPts val="1400"/>
+              <a:buFont typeface="Arial"/>
               <a:buNone/>
               <a:defRPr b="0" i="0" sz="1400" u="none" cap="none" strike="noStrike">
+                <a:solidFill>
+                  <a:srgbClr val="000000"/>
+                </a:solidFill>
                 <a:latin typeface="Arial"/>
                 <a:ea typeface="Arial"/>
                 <a:cs typeface="Arial"/>
@@ -457,15 +500,25 @@
               </a:defRPr>
             </a:lvl5pPr>
             <a:lvl6pPr indent="-228600" lvl="5" marL="2743200" marR="0" rtl="0" algn="l">
-              <a:spcBef>
-                <a:spcPts val="0"/>
-              </a:spcBef>
-              <a:spcAft>
-                <a:spcPts val="0"/>
-              </a:spcAft>
+              <a:lnSpc>
+                <a:spcPct val="100000"/>
+              </a:lnSpc>
+              <a:spcBef>
+                <a:spcPts val="0"/>
+              </a:spcBef>
+              <a:spcAft>
+                <a:spcPts val="0"/>
+              </a:spcAft>
+              <a:buClr>
+                <a:srgbClr val="000000"/>
+              </a:buClr>
               <a:buSzPts val="1400"/>
+              <a:buFont typeface="Arial"/>
               <a:buNone/>
               <a:defRPr b="0" i="0" sz="1400" u="none" cap="none" strike="noStrike">
+                <a:solidFill>
+                  <a:srgbClr val="000000"/>
+                </a:solidFill>
                 <a:latin typeface="Arial"/>
                 <a:ea typeface="Arial"/>
                 <a:cs typeface="Arial"/>
@@ -473,15 +526,25 @@
               </a:defRPr>
             </a:lvl6pPr>
             <a:lvl7pPr indent="-228600" lvl="6" marL="3200400" marR="0" rtl="0" algn="l">
-              <a:spcBef>
-                <a:spcPts val="0"/>
-              </a:spcBef>
-              <a:spcAft>
-                <a:spcPts val="0"/>
-              </a:spcAft>
+              <a:lnSpc>
+                <a:spcPct val="100000"/>
+              </a:lnSpc>
+              <a:spcBef>
+                <a:spcPts val="0"/>
+              </a:spcBef>
+              <a:spcAft>
+                <a:spcPts val="0"/>
+              </a:spcAft>
+              <a:buClr>
+                <a:srgbClr val="000000"/>
+              </a:buClr>
               <a:buSzPts val="1400"/>
+              <a:buFont typeface="Arial"/>
               <a:buNone/>
               <a:defRPr b="0" i="0" sz="1400" u="none" cap="none" strike="noStrike">
+                <a:solidFill>
+                  <a:srgbClr val="000000"/>
+                </a:solidFill>
                 <a:latin typeface="Arial"/>
                 <a:ea typeface="Arial"/>
                 <a:cs typeface="Arial"/>
@@ -489,15 +552,25 @@
               </a:defRPr>
             </a:lvl7pPr>
             <a:lvl8pPr indent="-228600" lvl="7" marL="3657600" marR="0" rtl="0" algn="l">
-              <a:spcBef>
-                <a:spcPts val="0"/>
-              </a:spcBef>
-              <a:spcAft>
-                <a:spcPts val="0"/>
-              </a:spcAft>
+              <a:lnSpc>
+                <a:spcPct val="100000"/>
+              </a:lnSpc>
+              <a:spcBef>
+                <a:spcPts val="0"/>
+              </a:spcBef>
+              <a:spcAft>
+                <a:spcPts val="0"/>
+              </a:spcAft>
+              <a:buClr>
+                <a:srgbClr val="000000"/>
+              </a:buClr>
               <a:buSzPts val="1400"/>
+              <a:buFont typeface="Arial"/>
               <a:buNone/>
               <a:defRPr b="0" i="0" sz="1400" u="none" cap="none" strike="noStrike">
+                <a:solidFill>
+                  <a:srgbClr val="000000"/>
+                </a:solidFill>
                 <a:latin typeface="Arial"/>
                 <a:ea typeface="Arial"/>
                 <a:cs typeface="Arial"/>
@@ -505,15 +578,25 @@
               </a:defRPr>
             </a:lvl8pPr>
             <a:lvl9pPr indent="-228600" lvl="8" marL="4114800" marR="0" rtl="0" algn="l">
-              <a:spcBef>
-                <a:spcPts val="0"/>
-              </a:spcBef>
-              <a:spcAft>
-                <a:spcPts val="0"/>
-              </a:spcAft>
+              <a:lnSpc>
+                <a:spcPct val="100000"/>
+              </a:lnSpc>
+              <a:spcBef>
+                <a:spcPts val="0"/>
+              </a:spcBef>
+              <a:spcAft>
+                <a:spcPts val="0"/>
+              </a:spcAft>
+              <a:buClr>
+                <a:srgbClr val="000000"/>
+              </a:buClr>
               <a:buSzPts val="1400"/>
+              <a:buFont typeface="Arial"/>
               <a:buNone/>
               <a:defRPr b="0" i="0" sz="1400" u="none" cap="none" strike="noStrike">
+                <a:solidFill>
+                  <a:srgbClr val="000000"/>
+                </a:solidFill>
                 <a:latin typeface="Arial"/>
                 <a:ea typeface="Arial"/>
                 <a:cs typeface="Arial"/>
@@ -792,6 +875,10 @@
           <a:prstGeom prst="rect">
             <a:avLst/>
           </a:prstGeom>
+          <a:noFill/>
+          <a:ln>
+            <a:noFill/>
+          </a:ln>
         </p:spPr>
         <p:txBody>
           <a:bodyPr anchorCtr="0" anchor="t" bIns="45700" lIns="91425" spcFirstLastPara="1" rIns="91425" wrap="square" tIns="45700">
@@ -800,12 +887,16 @@
           <a:lstStyle/>
           <a:p>
             <a:pPr indent="0" lvl="0" marL="0" rtl="0" algn="l">
-              <a:spcBef>
-                <a:spcPts val="0"/>
-              </a:spcBef>
-              <a:spcAft>
-                <a:spcPts val="0"/>
-              </a:spcAft>
+              <a:lnSpc>
+                <a:spcPct val="100000"/>
+              </a:lnSpc>
+              <a:spcBef>
+                <a:spcPts val="0"/>
+              </a:spcBef>
+              <a:spcAft>
+                <a:spcPts val="0"/>
+              </a:spcAft>
+              <a:buSzPts val="1400"/>
               <a:buNone/>
             </a:pPr>
             <a:r>
@@ -848,6 +939,10 @@
               </a:path>
             </a:pathLst>
           </a:custGeom>
+          <a:noFill/>
+          <a:ln>
+            <a:noFill/>
+          </a:ln>
         </p:spPr>
       </p:sp>
     </p:spTree>
@@ -891,6 +986,10 @@
           <a:prstGeom prst="rect">
             <a:avLst/>
           </a:prstGeom>
+          <a:noFill/>
+          <a:ln>
+            <a:noFill/>
+          </a:ln>
         </p:spPr>
         <p:txBody>
           <a:bodyPr anchorCtr="0" anchor="t" bIns="45700" lIns="91425" spcFirstLastPara="1" rIns="91425" wrap="square" tIns="45700">
@@ -899,12 +998,16 @@
           <a:lstStyle/>
           <a:p>
             <a:pPr indent="0" lvl="0" marL="0" rtl="0" algn="l">
-              <a:spcBef>
-                <a:spcPts val="0"/>
-              </a:spcBef>
-              <a:spcAft>
-                <a:spcPts val="0"/>
-              </a:spcAft>
+              <a:lnSpc>
+                <a:spcPct val="100000"/>
+              </a:lnSpc>
+              <a:spcBef>
+                <a:spcPts val="0"/>
+              </a:spcBef>
+              <a:spcAft>
+                <a:spcPts val="0"/>
+              </a:spcAft>
+              <a:buSzPts val="1400"/>
               <a:buNone/>
             </a:pPr>
             <a:r>
@@ -947,6 +1050,10 @@
               </a:path>
             </a:pathLst>
           </a:custGeom>
+          <a:noFill/>
+          <a:ln>
+            <a:noFill/>
+          </a:ln>
         </p:spPr>
       </p:sp>
     </p:spTree>
@@ -990,6 +1097,10 @@
           <a:prstGeom prst="rect">
             <a:avLst/>
           </a:prstGeom>
+          <a:noFill/>
+          <a:ln>
+            <a:noFill/>
+          </a:ln>
         </p:spPr>
         <p:txBody>
           <a:bodyPr anchorCtr="0" anchor="t" bIns="45700" lIns="91425" spcFirstLastPara="1" rIns="91425" wrap="square" tIns="45700">
@@ -998,12 +1109,16 @@
           <a:lstStyle/>
           <a:p>
             <a:pPr indent="0" lvl="0" marL="0" rtl="0" algn="l">
-              <a:spcBef>
-                <a:spcPts val="0"/>
-              </a:spcBef>
-              <a:spcAft>
-                <a:spcPts val="0"/>
-              </a:spcAft>
+              <a:lnSpc>
+                <a:spcPct val="100000"/>
+              </a:lnSpc>
+              <a:spcBef>
+                <a:spcPts val="0"/>
+              </a:spcBef>
+              <a:spcAft>
+                <a:spcPts val="0"/>
+              </a:spcAft>
+              <a:buSzPts val="1400"/>
               <a:buNone/>
             </a:pPr>
             <a:r>
@@ -1046,6 +1161,10 @@
               </a:path>
             </a:pathLst>
           </a:custGeom>
+          <a:noFill/>
+          <a:ln>
+            <a:noFill/>
+          </a:ln>
         </p:spPr>
       </p:sp>
     </p:spTree>
@@ -1089,6 +1208,10 @@
           <a:prstGeom prst="rect">
             <a:avLst/>
           </a:prstGeom>
+          <a:noFill/>
+          <a:ln>
+            <a:noFill/>
+          </a:ln>
         </p:spPr>
         <p:txBody>
           <a:bodyPr anchorCtr="0" anchor="t" bIns="45700" lIns="91425" spcFirstLastPara="1" rIns="91425" wrap="square" tIns="45700">
@@ -1097,12 +1220,16 @@
           <a:lstStyle/>
           <a:p>
             <a:pPr indent="0" lvl="0" marL="0" rtl="0" algn="l">
-              <a:spcBef>
-                <a:spcPts val="0"/>
-              </a:spcBef>
-              <a:spcAft>
-                <a:spcPts val="0"/>
-              </a:spcAft>
+              <a:lnSpc>
+                <a:spcPct val="100000"/>
+              </a:lnSpc>
+              <a:spcBef>
+                <a:spcPts val="0"/>
+              </a:spcBef>
+              <a:spcAft>
+                <a:spcPts val="0"/>
+              </a:spcAft>
+              <a:buSzPts val="1400"/>
               <a:buNone/>
             </a:pPr>
             <a:r>
@@ -1145,6 +1272,10 @@
               </a:path>
             </a:pathLst>
           </a:custGeom>
+          <a:noFill/>
+          <a:ln>
+            <a:noFill/>
+          </a:ln>
         </p:spPr>
       </p:sp>
     </p:spTree>
@@ -1188,6 +1319,10 @@
           <a:prstGeom prst="rect">
             <a:avLst/>
           </a:prstGeom>
+          <a:noFill/>
+          <a:ln>
+            <a:noFill/>
+          </a:ln>
         </p:spPr>
         <p:txBody>
           <a:bodyPr anchorCtr="0" anchor="t" bIns="45700" lIns="91425" spcFirstLastPara="1" rIns="91425" wrap="square" tIns="45700">
@@ -1196,12 +1331,16 @@
           <a:lstStyle/>
           <a:p>
             <a:pPr indent="0" lvl="0" marL="0" rtl="0" algn="l">
-              <a:spcBef>
-                <a:spcPts val="0"/>
-              </a:spcBef>
-              <a:spcAft>
-                <a:spcPts val="0"/>
-              </a:spcAft>
+              <a:lnSpc>
+                <a:spcPct val="100000"/>
+              </a:lnSpc>
+              <a:spcBef>
+                <a:spcPts val="0"/>
+              </a:spcBef>
+              <a:spcAft>
+                <a:spcPts val="0"/>
+              </a:spcAft>
+              <a:buSzPts val="1400"/>
               <a:buNone/>
             </a:pPr>
             <a:r>
@@ -1244,6 +1383,10 @@
               </a:path>
             </a:pathLst>
           </a:custGeom>
+          <a:noFill/>
+          <a:ln>
+            <a:noFill/>
+          </a:ln>
         </p:spPr>
       </p:sp>
     </p:spTree>
@@ -1287,6 +1430,10 @@
           <a:prstGeom prst="rect">
             <a:avLst/>
           </a:prstGeom>
+          <a:noFill/>
+          <a:ln>
+            <a:noFill/>
+          </a:ln>
         </p:spPr>
         <p:txBody>
           <a:bodyPr anchorCtr="0" anchor="t" bIns="45700" lIns="91425" spcFirstLastPara="1" rIns="91425" wrap="square" tIns="45700">
@@ -1295,12 +1442,16 @@
           <a:lstStyle/>
           <a:p>
             <a:pPr indent="0" lvl="0" marL="0" rtl="0" algn="l">
-              <a:spcBef>
-                <a:spcPts val="0"/>
-              </a:spcBef>
-              <a:spcAft>
-                <a:spcPts val="0"/>
-              </a:spcAft>
+              <a:lnSpc>
+                <a:spcPct val="100000"/>
+              </a:lnSpc>
+              <a:spcBef>
+                <a:spcPts val="0"/>
+              </a:spcBef>
+              <a:spcAft>
+                <a:spcPts val="0"/>
+              </a:spcAft>
+              <a:buSzPts val="1400"/>
               <a:buNone/>
             </a:pPr>
             <a:r>
@@ -1343,6 +1494,10 @@
               </a:path>
             </a:pathLst>
           </a:custGeom>
+          <a:noFill/>
+          <a:ln>
+            <a:noFill/>
+          </a:ln>
         </p:spPr>
       </p:sp>
     </p:spTree>
@@ -1386,6 +1541,10 @@
           <a:prstGeom prst="rect">
             <a:avLst/>
           </a:prstGeom>
+          <a:noFill/>
+          <a:ln>
+            <a:noFill/>
+          </a:ln>
         </p:spPr>
         <p:txBody>
           <a:bodyPr anchorCtr="0" anchor="t" bIns="45700" lIns="91425" spcFirstLastPara="1" rIns="91425" wrap="square" tIns="45700">
@@ -1394,12 +1553,16 @@
           <a:lstStyle/>
           <a:p>
             <a:pPr indent="0" lvl="0" marL="0" rtl="0" algn="l">
-              <a:spcBef>
-                <a:spcPts val="0"/>
-              </a:spcBef>
-              <a:spcAft>
-                <a:spcPts val="0"/>
-              </a:spcAft>
+              <a:lnSpc>
+                <a:spcPct val="100000"/>
+              </a:lnSpc>
+              <a:spcBef>
+                <a:spcPts val="0"/>
+              </a:spcBef>
+              <a:spcAft>
+                <a:spcPts val="0"/>
+              </a:spcAft>
+              <a:buSzPts val="1400"/>
               <a:buNone/>
             </a:pPr>
             <a:r>
@@ -1442,6 +1605,10 @@
               </a:path>
             </a:pathLst>
           </a:custGeom>
+          <a:noFill/>
+          <a:ln>
+            <a:noFill/>
+          </a:ln>
         </p:spPr>
       </p:sp>
     </p:spTree>
@@ -1485,6 +1652,10 @@
           <a:prstGeom prst="rect">
             <a:avLst/>
           </a:prstGeom>
+          <a:noFill/>
+          <a:ln>
+            <a:noFill/>
+          </a:ln>
         </p:spPr>
         <p:txBody>
           <a:bodyPr anchorCtr="0" anchor="t" bIns="45700" lIns="91425" spcFirstLastPara="1" rIns="91425" wrap="square" tIns="45700">
@@ -1493,12 +1664,16 @@
           <a:lstStyle/>
           <a:p>
             <a:pPr indent="0" lvl="0" marL="0" rtl="0" algn="l">
-              <a:spcBef>
-                <a:spcPts val="0"/>
-              </a:spcBef>
-              <a:spcAft>
-                <a:spcPts val="0"/>
-              </a:spcAft>
+              <a:lnSpc>
+                <a:spcPct val="100000"/>
+              </a:lnSpc>
+              <a:spcBef>
+                <a:spcPts val="0"/>
+              </a:spcBef>
+              <a:spcAft>
+                <a:spcPts val="0"/>
+              </a:spcAft>
+              <a:buSzPts val="1400"/>
               <a:buNone/>
             </a:pPr>
             <a:r>
@@ -1541,6 +1716,10 @@
               </a:path>
             </a:pathLst>
           </a:custGeom>
+          <a:noFill/>
+          <a:ln>
+            <a:noFill/>
+          </a:ln>
         </p:spPr>
       </p:sp>
     </p:spTree>
@@ -1584,6 +1763,10 @@
           <a:prstGeom prst="rect">
             <a:avLst/>
           </a:prstGeom>
+          <a:noFill/>
+          <a:ln>
+            <a:noFill/>
+          </a:ln>
         </p:spPr>
         <p:txBody>
           <a:bodyPr anchorCtr="0" anchor="t" bIns="45700" lIns="91425" spcFirstLastPara="1" rIns="91425" wrap="square" tIns="45700">
@@ -1592,12 +1775,16 @@
           <a:lstStyle/>
           <a:p>
             <a:pPr indent="0" lvl="0" marL="0" rtl="0" algn="l">
-              <a:spcBef>
-                <a:spcPts val="0"/>
-              </a:spcBef>
-              <a:spcAft>
-                <a:spcPts val="0"/>
-              </a:spcAft>
+              <a:lnSpc>
+                <a:spcPct val="100000"/>
+              </a:lnSpc>
+              <a:spcBef>
+                <a:spcPts val="0"/>
+              </a:spcBef>
+              <a:spcAft>
+                <a:spcPts val="0"/>
+              </a:spcAft>
+              <a:buSzPts val="1400"/>
               <a:buNone/>
             </a:pPr>
             <a:r>
@@ -1640,6 +1827,10 @@
               </a:path>
             </a:pathLst>
           </a:custGeom>
+          <a:noFill/>
+          <a:ln>
+            <a:noFill/>
+          </a:ln>
         </p:spPr>
       </p:sp>
     </p:spTree>
@@ -1979,7 +2170,7 @@
           <a:ln cap="flat" cmpd="sng" w="9525">
             <a:solidFill>
               <a:srgbClr val="FFFFFF">
-                <a:alpha val="50980"/>
+                <a:alpha val="50588"/>
               </a:srgbClr>
             </a:solidFill>
             <a:prstDash val="solid"/>
@@ -2448,7 +2639,7 @@
                 <a:srgbClr val="2C2C38"/>
               </a:buClr>
               <a:buSzPts val="1800"/>
-              <a:buChar char="▫︎"/>
+              <a:buChar char="▫"/>
               <a:defRPr/>
             </a:lvl4pPr>
             <a:lvl5pPr lvl="4" algn="l">
@@ -2615,7 +2806,7 @@
           <a:ln cap="flat" cmpd="sng" w="9525">
             <a:solidFill>
               <a:schemeClr val="lt1">
-                <a:alpha val="50980"/>
+                <a:alpha val="50588"/>
               </a:schemeClr>
             </a:solidFill>
             <a:prstDash val="solid"/>
@@ -2716,7 +2907,7 @@
                 <a:srgbClr val="2C2C38"/>
               </a:buClr>
               <a:buSzPts val="1800"/>
-              <a:buChar char="▫︎"/>
+              <a:buChar char="▫"/>
               <a:defRPr/>
             </a:lvl4pPr>
             <a:lvl5pPr indent="-342900" lvl="4" marL="2286000" algn="l">
@@ -2892,7 +3083,10 @@
                 <a:sym typeface="Rubik"/>
               </a:defRPr>
             </a:lvl1pPr>
-            <a:lvl2pPr lvl="1">
+            <a:lvl2pPr lvl="1" algn="l">
+              <a:lnSpc>
+                <a:spcPct val="100000"/>
+              </a:lnSpc>
               <a:spcBef>
                 <a:spcPts val="0"/>
               </a:spcBef>
@@ -2903,7 +3097,10 @@
               <a:buNone/>
               <a:defRPr/>
             </a:lvl2pPr>
-            <a:lvl3pPr lvl="2">
+            <a:lvl3pPr lvl="2" algn="l">
+              <a:lnSpc>
+                <a:spcPct val="100000"/>
+              </a:lnSpc>
               <a:spcBef>
                 <a:spcPts val="0"/>
               </a:spcBef>
@@ -2914,7 +3111,10 @@
               <a:buNone/>
               <a:defRPr/>
             </a:lvl3pPr>
-            <a:lvl4pPr lvl="3">
+            <a:lvl4pPr lvl="3" algn="l">
+              <a:lnSpc>
+                <a:spcPct val="100000"/>
+              </a:lnSpc>
               <a:spcBef>
                 <a:spcPts val="0"/>
               </a:spcBef>
@@ -2925,7 +3125,10 @@
               <a:buNone/>
               <a:defRPr/>
             </a:lvl4pPr>
-            <a:lvl5pPr lvl="4">
+            <a:lvl5pPr lvl="4" algn="l">
+              <a:lnSpc>
+                <a:spcPct val="100000"/>
+              </a:lnSpc>
               <a:spcBef>
                 <a:spcPts val="0"/>
               </a:spcBef>
@@ -2936,7 +3139,10 @@
               <a:buNone/>
               <a:defRPr/>
             </a:lvl5pPr>
-            <a:lvl6pPr lvl="5">
+            <a:lvl6pPr lvl="5" algn="l">
+              <a:lnSpc>
+                <a:spcPct val="100000"/>
+              </a:lnSpc>
               <a:spcBef>
                 <a:spcPts val="0"/>
               </a:spcBef>
@@ -2947,7 +3153,10 @@
               <a:buNone/>
               <a:defRPr/>
             </a:lvl6pPr>
-            <a:lvl7pPr lvl="6">
+            <a:lvl7pPr lvl="6" algn="l">
+              <a:lnSpc>
+                <a:spcPct val="100000"/>
+              </a:lnSpc>
               <a:spcBef>
                 <a:spcPts val="0"/>
               </a:spcBef>
@@ -2958,7 +3167,10 @@
               <a:buNone/>
               <a:defRPr/>
             </a:lvl7pPr>
-            <a:lvl8pPr lvl="7">
+            <a:lvl8pPr lvl="7" algn="l">
+              <a:lnSpc>
+                <a:spcPct val="100000"/>
+              </a:lnSpc>
               <a:spcBef>
                 <a:spcPts val="0"/>
               </a:spcBef>
@@ -2969,7 +3181,10 @@
               <a:buNone/>
               <a:defRPr/>
             </a:lvl8pPr>
-            <a:lvl9pPr lvl="8">
+            <a:lvl9pPr lvl="8" algn="l">
+              <a:lnSpc>
+                <a:spcPct val="100000"/>
+              </a:lnSpc>
               <a:spcBef>
                 <a:spcPts val="0"/>
               </a:spcBef>
@@ -3100,7 +3315,7 @@
                 <a:schemeClr val="dk1"/>
               </a:buClr>
               <a:buSzPts val="1350"/>
-              <a:buChar char="▫︎"/>
+              <a:buChar char="▫"/>
               <a:defRPr>
                 <a:solidFill>
                   <a:schemeClr val="dk1"/>
@@ -3436,7 +3651,7 @@
                 <a:srgbClr val="2C2C38"/>
               </a:buClr>
               <a:buSzPts val="1800"/>
-              <a:buChar char="▫︎"/>
+              <a:buChar char="▫"/>
               <a:defRPr/>
             </a:lvl4pPr>
             <a:lvl5pPr lvl="4" algn="l">
@@ -3580,7 +3795,10 @@
                 <a:sym typeface="Rubik Light"/>
               </a:defRPr>
             </a:lvl1pPr>
-            <a:lvl2pPr lvl="1">
+            <a:lvl2pPr lvl="1" algn="l">
+              <a:lnSpc>
+                <a:spcPct val="100000"/>
+              </a:lnSpc>
               <a:spcBef>
                 <a:spcPts val="0"/>
               </a:spcBef>
@@ -3591,7 +3809,10 @@
               <a:buNone/>
               <a:defRPr/>
             </a:lvl2pPr>
-            <a:lvl3pPr lvl="2">
+            <a:lvl3pPr lvl="2" algn="l">
+              <a:lnSpc>
+                <a:spcPct val="100000"/>
+              </a:lnSpc>
               <a:spcBef>
                 <a:spcPts val="0"/>
               </a:spcBef>
@@ -3602,7 +3823,10 @@
               <a:buNone/>
               <a:defRPr/>
             </a:lvl3pPr>
-            <a:lvl4pPr lvl="3">
+            <a:lvl4pPr lvl="3" algn="l">
+              <a:lnSpc>
+                <a:spcPct val="100000"/>
+              </a:lnSpc>
               <a:spcBef>
                 <a:spcPts val="0"/>
               </a:spcBef>
@@ -3613,7 +3837,10 @@
               <a:buNone/>
               <a:defRPr/>
             </a:lvl4pPr>
-            <a:lvl5pPr lvl="4">
+            <a:lvl5pPr lvl="4" algn="l">
+              <a:lnSpc>
+                <a:spcPct val="100000"/>
+              </a:lnSpc>
               <a:spcBef>
                 <a:spcPts val="0"/>
               </a:spcBef>
@@ -3624,7 +3851,10 @@
               <a:buNone/>
               <a:defRPr/>
             </a:lvl5pPr>
-            <a:lvl6pPr lvl="5">
+            <a:lvl6pPr lvl="5" algn="l">
+              <a:lnSpc>
+                <a:spcPct val="100000"/>
+              </a:lnSpc>
               <a:spcBef>
                 <a:spcPts val="0"/>
               </a:spcBef>
@@ -3635,7 +3865,10 @@
               <a:buNone/>
               <a:defRPr/>
             </a:lvl6pPr>
-            <a:lvl7pPr lvl="6">
+            <a:lvl7pPr lvl="6" algn="l">
+              <a:lnSpc>
+                <a:spcPct val="100000"/>
+              </a:lnSpc>
               <a:spcBef>
                 <a:spcPts val="0"/>
               </a:spcBef>
@@ -3646,7 +3879,10 @@
               <a:buNone/>
               <a:defRPr/>
             </a:lvl7pPr>
-            <a:lvl8pPr lvl="7">
+            <a:lvl8pPr lvl="7" algn="l">
+              <a:lnSpc>
+                <a:spcPct val="100000"/>
+              </a:lnSpc>
               <a:spcBef>
                 <a:spcPts val="0"/>
               </a:spcBef>
@@ -3657,7 +3893,10 @@
               <a:buNone/>
               <a:defRPr/>
             </a:lvl8pPr>
-            <a:lvl9pPr lvl="8">
+            <a:lvl9pPr lvl="8" algn="l">
+              <a:lnSpc>
+                <a:spcPct val="100000"/>
+              </a:lnSpc>
               <a:spcBef>
                 <a:spcPts val="0"/>
               </a:spcBef>
@@ -3690,7 +3929,7 @@
           <a:ln cap="flat" cmpd="sng" w="9525">
             <a:solidFill>
               <a:schemeClr val="lt1">
-                <a:alpha val="50980"/>
+                <a:alpha val="50588"/>
               </a:schemeClr>
             </a:solidFill>
             <a:prstDash val="solid"/>
@@ -3847,7 +4086,7 @@
                 <a:srgbClr val="2C2C38"/>
               </a:buClr>
               <a:buSzPts val="1800"/>
-              <a:buChar char="▫︎"/>
+              <a:buChar char="▫"/>
               <a:defRPr/>
             </a:lvl4pPr>
             <a:lvl5pPr lvl="4" algn="l">
@@ -3991,7 +4230,10 @@
                 <a:sym typeface="Rubik Light"/>
               </a:defRPr>
             </a:lvl1pPr>
-            <a:lvl2pPr lvl="1">
+            <a:lvl2pPr lvl="1" algn="l">
+              <a:lnSpc>
+                <a:spcPct val="100000"/>
+              </a:lnSpc>
               <a:spcBef>
                 <a:spcPts val="0"/>
               </a:spcBef>
@@ -4002,7 +4244,10 @@
               <a:buNone/>
               <a:defRPr/>
             </a:lvl2pPr>
-            <a:lvl3pPr lvl="2">
+            <a:lvl3pPr lvl="2" algn="l">
+              <a:lnSpc>
+                <a:spcPct val="100000"/>
+              </a:lnSpc>
               <a:spcBef>
                 <a:spcPts val="0"/>
               </a:spcBef>
@@ -4013,7 +4258,10 @@
               <a:buNone/>
               <a:defRPr/>
             </a:lvl3pPr>
-            <a:lvl4pPr lvl="3">
+            <a:lvl4pPr lvl="3" algn="l">
+              <a:lnSpc>
+                <a:spcPct val="100000"/>
+              </a:lnSpc>
               <a:spcBef>
                 <a:spcPts val="0"/>
               </a:spcBef>
@@ -4024,7 +4272,10 @@
               <a:buNone/>
               <a:defRPr/>
             </a:lvl4pPr>
-            <a:lvl5pPr lvl="4">
+            <a:lvl5pPr lvl="4" algn="l">
+              <a:lnSpc>
+                <a:spcPct val="100000"/>
+              </a:lnSpc>
               <a:spcBef>
                 <a:spcPts val="0"/>
               </a:spcBef>
@@ -4035,7 +4286,10 @@
               <a:buNone/>
               <a:defRPr/>
             </a:lvl5pPr>
-            <a:lvl6pPr lvl="5">
+            <a:lvl6pPr lvl="5" algn="l">
+              <a:lnSpc>
+                <a:spcPct val="100000"/>
+              </a:lnSpc>
               <a:spcBef>
                 <a:spcPts val="0"/>
               </a:spcBef>
@@ -4046,7 +4300,10 @@
               <a:buNone/>
               <a:defRPr/>
             </a:lvl6pPr>
-            <a:lvl7pPr lvl="6">
+            <a:lvl7pPr lvl="6" algn="l">
+              <a:lnSpc>
+                <a:spcPct val="100000"/>
+              </a:lnSpc>
               <a:spcBef>
                 <a:spcPts val="0"/>
               </a:spcBef>
@@ -4057,7 +4314,10 @@
               <a:buNone/>
               <a:defRPr/>
             </a:lvl7pPr>
-            <a:lvl8pPr lvl="7">
+            <a:lvl8pPr lvl="7" algn="l">
+              <a:lnSpc>
+                <a:spcPct val="100000"/>
+              </a:lnSpc>
               <a:spcBef>
                 <a:spcPts val="0"/>
               </a:spcBef>
@@ -4068,7 +4328,10 @@
               <a:buNone/>
               <a:defRPr/>
             </a:lvl8pPr>
-            <a:lvl9pPr lvl="8">
+            <a:lvl9pPr lvl="8" algn="l">
+              <a:lnSpc>
+                <a:spcPct val="100000"/>
+              </a:lnSpc>
               <a:spcBef>
                 <a:spcPts val="0"/>
               </a:spcBef>
@@ -4264,7 +4527,10 @@
                 <a:sym typeface="Rubik"/>
               </a:defRPr>
             </a:lvl1pPr>
-            <a:lvl2pPr lvl="1">
+            <a:lvl2pPr lvl="1" algn="l">
+              <a:lnSpc>
+                <a:spcPct val="100000"/>
+              </a:lnSpc>
               <a:spcBef>
                 <a:spcPts val="0"/>
               </a:spcBef>
@@ -4275,7 +4541,10 @@
               <a:buNone/>
               <a:defRPr/>
             </a:lvl2pPr>
-            <a:lvl3pPr lvl="2">
+            <a:lvl3pPr lvl="2" algn="l">
+              <a:lnSpc>
+                <a:spcPct val="100000"/>
+              </a:lnSpc>
               <a:spcBef>
                 <a:spcPts val="0"/>
               </a:spcBef>
@@ -4286,7 +4555,10 @@
               <a:buNone/>
               <a:defRPr/>
             </a:lvl3pPr>
-            <a:lvl4pPr lvl="3">
+            <a:lvl4pPr lvl="3" algn="l">
+              <a:lnSpc>
+                <a:spcPct val="100000"/>
+              </a:lnSpc>
               <a:spcBef>
                 <a:spcPts val="0"/>
               </a:spcBef>
@@ -4297,7 +4569,10 @@
               <a:buNone/>
               <a:defRPr/>
             </a:lvl4pPr>
-            <a:lvl5pPr lvl="4">
+            <a:lvl5pPr lvl="4" algn="l">
+              <a:lnSpc>
+                <a:spcPct val="100000"/>
+              </a:lnSpc>
               <a:spcBef>
                 <a:spcPts val="0"/>
               </a:spcBef>
@@ -4308,7 +4583,10 @@
               <a:buNone/>
               <a:defRPr/>
             </a:lvl5pPr>
-            <a:lvl6pPr lvl="5">
+            <a:lvl6pPr lvl="5" algn="l">
+              <a:lnSpc>
+                <a:spcPct val="100000"/>
+              </a:lnSpc>
               <a:spcBef>
                 <a:spcPts val="0"/>
               </a:spcBef>
@@ -4319,7 +4597,10 @@
               <a:buNone/>
               <a:defRPr/>
             </a:lvl6pPr>
-            <a:lvl7pPr lvl="6">
+            <a:lvl7pPr lvl="6" algn="l">
+              <a:lnSpc>
+                <a:spcPct val="100000"/>
+              </a:lnSpc>
               <a:spcBef>
                 <a:spcPts val="0"/>
               </a:spcBef>
@@ -4330,7 +4611,10 @@
               <a:buNone/>
               <a:defRPr/>
             </a:lvl7pPr>
-            <a:lvl8pPr lvl="7">
+            <a:lvl8pPr lvl="7" algn="l">
+              <a:lnSpc>
+                <a:spcPct val="100000"/>
+              </a:lnSpc>
               <a:spcBef>
                 <a:spcPts val="0"/>
               </a:spcBef>
@@ -4341,7 +4625,10 @@
               <a:buNone/>
               <a:defRPr/>
             </a:lvl8pPr>
-            <a:lvl9pPr lvl="8">
+            <a:lvl9pPr lvl="8" algn="l">
+              <a:lnSpc>
+                <a:spcPct val="100000"/>
+              </a:lnSpc>
               <a:spcBef>
                 <a:spcPts val="0"/>
               </a:spcBef>
@@ -4472,7 +4759,7 @@
                 <a:schemeClr val="dk1"/>
               </a:buClr>
               <a:buSzPts val="1350"/>
-              <a:buChar char="▫︎"/>
+              <a:buChar char="▫"/>
               <a:defRPr>
                 <a:solidFill>
                   <a:schemeClr val="dk1"/>
@@ -4680,7 +4967,10 @@
                 <a:sym typeface="Rubik"/>
               </a:defRPr>
             </a:lvl1pPr>
-            <a:lvl2pPr lvl="1">
+            <a:lvl2pPr lvl="1" algn="l">
+              <a:lnSpc>
+                <a:spcPct val="100000"/>
+              </a:lnSpc>
               <a:spcBef>
                 <a:spcPts val="0"/>
               </a:spcBef>
@@ -4691,7 +4981,10 @@
               <a:buNone/>
               <a:defRPr/>
             </a:lvl2pPr>
-            <a:lvl3pPr lvl="2">
+            <a:lvl3pPr lvl="2" algn="l">
+              <a:lnSpc>
+                <a:spcPct val="100000"/>
+              </a:lnSpc>
               <a:spcBef>
                 <a:spcPts val="0"/>
               </a:spcBef>
@@ -4702,7 +4995,10 @@
               <a:buNone/>
               <a:defRPr/>
             </a:lvl3pPr>
-            <a:lvl4pPr lvl="3">
+            <a:lvl4pPr lvl="3" algn="l">
+              <a:lnSpc>
+                <a:spcPct val="100000"/>
+              </a:lnSpc>
               <a:spcBef>
                 <a:spcPts val="0"/>
               </a:spcBef>
@@ -4713,7 +5009,10 @@
               <a:buNone/>
               <a:defRPr/>
             </a:lvl4pPr>
-            <a:lvl5pPr lvl="4">
+            <a:lvl5pPr lvl="4" algn="l">
+              <a:lnSpc>
+                <a:spcPct val="100000"/>
+              </a:lnSpc>
               <a:spcBef>
                 <a:spcPts val="0"/>
               </a:spcBef>
@@ -4724,7 +5023,10 @@
               <a:buNone/>
               <a:defRPr/>
             </a:lvl5pPr>
-            <a:lvl6pPr lvl="5">
+            <a:lvl6pPr lvl="5" algn="l">
+              <a:lnSpc>
+                <a:spcPct val="100000"/>
+              </a:lnSpc>
               <a:spcBef>
                 <a:spcPts val="0"/>
               </a:spcBef>
@@ -4735,7 +5037,10 @@
               <a:buNone/>
               <a:defRPr/>
             </a:lvl6pPr>
-            <a:lvl7pPr lvl="6">
+            <a:lvl7pPr lvl="6" algn="l">
+              <a:lnSpc>
+                <a:spcPct val="100000"/>
+              </a:lnSpc>
               <a:spcBef>
                 <a:spcPts val="0"/>
               </a:spcBef>
@@ -4746,7 +5051,10 @@
               <a:buNone/>
               <a:defRPr/>
             </a:lvl7pPr>
-            <a:lvl8pPr lvl="7">
+            <a:lvl8pPr lvl="7" algn="l">
+              <a:lnSpc>
+                <a:spcPct val="100000"/>
+              </a:lnSpc>
               <a:spcBef>
                 <a:spcPts val="0"/>
               </a:spcBef>
@@ -4757,7 +5065,10 @@
               <a:buNone/>
               <a:defRPr/>
             </a:lvl8pPr>
-            <a:lvl9pPr lvl="8">
+            <a:lvl9pPr lvl="8" algn="l">
+              <a:lnSpc>
+                <a:spcPct val="100000"/>
+              </a:lnSpc>
               <a:spcBef>
                 <a:spcPts val="0"/>
               </a:spcBef>
@@ -4888,7 +5199,7 @@
                 <a:schemeClr val="dk1"/>
               </a:buClr>
               <a:buSzPts val="1350"/>
-              <a:buChar char="▫︎"/>
+              <a:buChar char="▫"/>
               <a:defRPr>
                 <a:solidFill>
                   <a:schemeClr val="dk1"/>
@@ -5150,7 +5461,10 @@
                 <a:sym typeface="Rubik"/>
               </a:defRPr>
             </a:lvl1pPr>
-            <a:lvl2pPr lvl="1">
+            <a:lvl2pPr lvl="1" algn="l">
+              <a:lnSpc>
+                <a:spcPct val="100000"/>
+              </a:lnSpc>
               <a:spcBef>
                 <a:spcPts val="0"/>
               </a:spcBef>
@@ -5161,7 +5475,10 @@
               <a:buNone/>
               <a:defRPr/>
             </a:lvl2pPr>
-            <a:lvl3pPr lvl="2">
+            <a:lvl3pPr lvl="2" algn="l">
+              <a:lnSpc>
+                <a:spcPct val="100000"/>
+              </a:lnSpc>
               <a:spcBef>
                 <a:spcPts val="0"/>
               </a:spcBef>
@@ -5172,7 +5489,10 @@
               <a:buNone/>
               <a:defRPr/>
             </a:lvl3pPr>
-            <a:lvl4pPr lvl="3">
+            <a:lvl4pPr lvl="3" algn="l">
+              <a:lnSpc>
+                <a:spcPct val="100000"/>
+              </a:lnSpc>
               <a:spcBef>
                 <a:spcPts val="0"/>
               </a:spcBef>
@@ -5183,7 +5503,10 @@
               <a:buNone/>
               <a:defRPr/>
             </a:lvl4pPr>
-            <a:lvl5pPr lvl="4">
+            <a:lvl5pPr lvl="4" algn="l">
+              <a:lnSpc>
+                <a:spcPct val="100000"/>
+              </a:lnSpc>
               <a:spcBef>
                 <a:spcPts val="0"/>
               </a:spcBef>
@@ -5194,7 +5517,10 @@
               <a:buNone/>
               <a:defRPr/>
             </a:lvl5pPr>
-            <a:lvl6pPr lvl="5">
+            <a:lvl6pPr lvl="5" algn="l">
+              <a:lnSpc>
+                <a:spcPct val="100000"/>
+              </a:lnSpc>
               <a:spcBef>
                 <a:spcPts val="0"/>
               </a:spcBef>
@@ -5205,7 +5531,10 @@
               <a:buNone/>
               <a:defRPr/>
             </a:lvl6pPr>
-            <a:lvl7pPr lvl="6">
+            <a:lvl7pPr lvl="6" algn="l">
+              <a:lnSpc>
+                <a:spcPct val="100000"/>
+              </a:lnSpc>
               <a:spcBef>
                 <a:spcPts val="0"/>
               </a:spcBef>
@@ -5216,7 +5545,10 @@
               <a:buNone/>
               <a:defRPr/>
             </a:lvl7pPr>
-            <a:lvl8pPr lvl="7">
+            <a:lvl8pPr lvl="7" algn="l">
+              <a:lnSpc>
+                <a:spcPct val="100000"/>
+              </a:lnSpc>
               <a:spcBef>
                 <a:spcPts val="0"/>
               </a:spcBef>
@@ -5227,7 +5559,10 @@
               <a:buNone/>
               <a:defRPr/>
             </a:lvl8pPr>
-            <a:lvl9pPr lvl="8">
+            <a:lvl9pPr lvl="8" algn="l">
+              <a:lnSpc>
+                <a:spcPct val="100000"/>
+              </a:lnSpc>
               <a:spcBef>
                 <a:spcPts val="0"/>
               </a:spcBef>
@@ -5545,7 +5880,10 @@
                 <a:sym typeface="Calibri"/>
               </a:defRPr>
             </a:lvl1pPr>
-            <a:lvl2pPr lvl="1">
+            <a:lvl2pPr lvl="1" algn="l">
+              <a:lnSpc>
+                <a:spcPct val="100000"/>
+              </a:lnSpc>
               <a:spcBef>
                 <a:spcPts val="0"/>
               </a:spcBef>
@@ -5556,7 +5894,10 @@
               <a:buNone/>
               <a:defRPr/>
             </a:lvl2pPr>
-            <a:lvl3pPr lvl="2">
+            <a:lvl3pPr lvl="2" algn="l">
+              <a:lnSpc>
+                <a:spcPct val="100000"/>
+              </a:lnSpc>
               <a:spcBef>
                 <a:spcPts val="0"/>
               </a:spcBef>
@@ -5567,7 +5908,10 @@
               <a:buNone/>
               <a:defRPr/>
             </a:lvl3pPr>
-            <a:lvl4pPr lvl="3">
+            <a:lvl4pPr lvl="3" algn="l">
+              <a:lnSpc>
+                <a:spcPct val="100000"/>
+              </a:lnSpc>
               <a:spcBef>
                 <a:spcPts val="0"/>
               </a:spcBef>
@@ -5578,7 +5922,10 @@
               <a:buNone/>
               <a:defRPr/>
             </a:lvl4pPr>
-            <a:lvl5pPr lvl="4">
+            <a:lvl5pPr lvl="4" algn="l">
+              <a:lnSpc>
+                <a:spcPct val="100000"/>
+              </a:lnSpc>
               <a:spcBef>
                 <a:spcPts val="0"/>
               </a:spcBef>
@@ -5589,7 +5936,10 @@
               <a:buNone/>
               <a:defRPr/>
             </a:lvl5pPr>
-            <a:lvl6pPr lvl="5">
+            <a:lvl6pPr lvl="5" algn="l">
+              <a:lnSpc>
+                <a:spcPct val="100000"/>
+              </a:lnSpc>
               <a:spcBef>
                 <a:spcPts val="0"/>
               </a:spcBef>
@@ -5600,7 +5950,10 @@
               <a:buNone/>
               <a:defRPr/>
             </a:lvl6pPr>
-            <a:lvl7pPr lvl="6">
+            <a:lvl7pPr lvl="6" algn="l">
+              <a:lnSpc>
+                <a:spcPct val="100000"/>
+              </a:lnSpc>
               <a:spcBef>
                 <a:spcPts val="0"/>
               </a:spcBef>
@@ -5611,7 +5964,10 @@
               <a:buNone/>
               <a:defRPr/>
             </a:lvl7pPr>
-            <a:lvl8pPr lvl="7">
+            <a:lvl8pPr lvl="7" algn="l">
+              <a:lnSpc>
+                <a:spcPct val="100000"/>
+              </a:lnSpc>
               <a:spcBef>
                 <a:spcPts val="0"/>
               </a:spcBef>
@@ -5622,7 +5978,10 @@
               <a:buNone/>
               <a:defRPr/>
             </a:lvl8pPr>
-            <a:lvl9pPr lvl="8">
+            <a:lvl9pPr lvl="8" algn="l">
+              <a:lnSpc>
+                <a:spcPct val="100000"/>
+              </a:lnSpc>
               <a:spcBef>
                 <a:spcPts val="0"/>
               </a:spcBef>
@@ -6027,93 +6386,213 @@
                 <a:sym typeface="Rubik Light"/>
               </a:defRPr>
             </a:lvl1pPr>
-            <a:lvl2pPr lvl="1">
-              <a:spcBef>
-                <a:spcPts val="0"/>
-              </a:spcBef>
-              <a:spcAft>
-                <a:spcPts val="0"/>
-              </a:spcAft>
+            <a:lvl2pPr lvl="1" marR="0" rtl="0" algn="l">
+              <a:lnSpc>
+                <a:spcPct val="100000"/>
+              </a:lnSpc>
+              <a:spcBef>
+                <a:spcPts val="0"/>
+              </a:spcBef>
+              <a:spcAft>
+                <a:spcPts val="0"/>
+              </a:spcAft>
+              <a:buClr>
+                <a:srgbClr val="000000"/>
+              </a:buClr>
               <a:buSzPts val="1400"/>
-              <a:buNone/>
-              <a:defRPr sz="1800"/>
+              <a:buFont typeface="Arial"/>
+              <a:buNone/>
+              <a:defRPr b="0" i="0" sz="1800" u="none" cap="none" strike="noStrike">
+                <a:solidFill>
+                  <a:srgbClr val="000000"/>
+                </a:solidFill>
+                <a:latin typeface="Arial"/>
+                <a:ea typeface="Arial"/>
+                <a:cs typeface="Arial"/>
+                <a:sym typeface="Arial"/>
+              </a:defRPr>
             </a:lvl2pPr>
-            <a:lvl3pPr lvl="2">
-              <a:spcBef>
-                <a:spcPts val="0"/>
-              </a:spcBef>
-              <a:spcAft>
-                <a:spcPts val="0"/>
-              </a:spcAft>
+            <a:lvl3pPr lvl="2" marR="0" rtl="0" algn="l">
+              <a:lnSpc>
+                <a:spcPct val="100000"/>
+              </a:lnSpc>
+              <a:spcBef>
+                <a:spcPts val="0"/>
+              </a:spcBef>
+              <a:spcAft>
+                <a:spcPts val="0"/>
+              </a:spcAft>
+              <a:buClr>
+                <a:srgbClr val="000000"/>
+              </a:buClr>
               <a:buSzPts val="1400"/>
-              <a:buNone/>
-              <a:defRPr sz="1800"/>
+              <a:buFont typeface="Arial"/>
+              <a:buNone/>
+              <a:defRPr b="0" i="0" sz="1800" u="none" cap="none" strike="noStrike">
+                <a:solidFill>
+                  <a:srgbClr val="000000"/>
+                </a:solidFill>
+                <a:latin typeface="Arial"/>
+                <a:ea typeface="Arial"/>
+                <a:cs typeface="Arial"/>
+                <a:sym typeface="Arial"/>
+              </a:defRPr>
             </a:lvl3pPr>
-            <a:lvl4pPr lvl="3">
-              <a:spcBef>
-                <a:spcPts val="0"/>
-              </a:spcBef>
-              <a:spcAft>
-                <a:spcPts val="0"/>
-              </a:spcAft>
+            <a:lvl4pPr lvl="3" marR="0" rtl="0" algn="l">
+              <a:lnSpc>
+                <a:spcPct val="100000"/>
+              </a:lnSpc>
+              <a:spcBef>
+                <a:spcPts val="0"/>
+              </a:spcBef>
+              <a:spcAft>
+                <a:spcPts val="0"/>
+              </a:spcAft>
+              <a:buClr>
+                <a:srgbClr val="000000"/>
+              </a:buClr>
               <a:buSzPts val="1400"/>
-              <a:buNone/>
-              <a:defRPr sz="1800"/>
+              <a:buFont typeface="Arial"/>
+              <a:buNone/>
+              <a:defRPr b="0" i="0" sz="1800" u="none" cap="none" strike="noStrike">
+                <a:solidFill>
+                  <a:srgbClr val="000000"/>
+                </a:solidFill>
+                <a:latin typeface="Arial"/>
+                <a:ea typeface="Arial"/>
+                <a:cs typeface="Arial"/>
+                <a:sym typeface="Arial"/>
+              </a:defRPr>
             </a:lvl4pPr>
-            <a:lvl5pPr lvl="4">
-              <a:spcBef>
-                <a:spcPts val="0"/>
-              </a:spcBef>
-              <a:spcAft>
-                <a:spcPts val="0"/>
-              </a:spcAft>
+            <a:lvl5pPr lvl="4" marR="0" rtl="0" algn="l">
+              <a:lnSpc>
+                <a:spcPct val="100000"/>
+              </a:lnSpc>
+              <a:spcBef>
+                <a:spcPts val="0"/>
+              </a:spcBef>
+              <a:spcAft>
+                <a:spcPts val="0"/>
+              </a:spcAft>
+              <a:buClr>
+                <a:srgbClr val="000000"/>
+              </a:buClr>
               <a:buSzPts val="1400"/>
-              <a:buNone/>
-              <a:defRPr sz="1800"/>
+              <a:buFont typeface="Arial"/>
+              <a:buNone/>
+              <a:defRPr b="0" i="0" sz="1800" u="none" cap="none" strike="noStrike">
+                <a:solidFill>
+                  <a:srgbClr val="000000"/>
+                </a:solidFill>
+                <a:latin typeface="Arial"/>
+                <a:ea typeface="Arial"/>
+                <a:cs typeface="Arial"/>
+                <a:sym typeface="Arial"/>
+              </a:defRPr>
             </a:lvl5pPr>
-            <a:lvl6pPr lvl="5">
-              <a:spcBef>
-                <a:spcPts val="0"/>
-              </a:spcBef>
-              <a:spcAft>
-                <a:spcPts val="0"/>
-              </a:spcAft>
+            <a:lvl6pPr lvl="5" marR="0" rtl="0" algn="l">
+              <a:lnSpc>
+                <a:spcPct val="100000"/>
+              </a:lnSpc>
+              <a:spcBef>
+                <a:spcPts val="0"/>
+              </a:spcBef>
+              <a:spcAft>
+                <a:spcPts val="0"/>
+              </a:spcAft>
+              <a:buClr>
+                <a:srgbClr val="000000"/>
+              </a:buClr>
               <a:buSzPts val="1400"/>
-              <a:buNone/>
-              <a:defRPr sz="1800"/>
+              <a:buFont typeface="Arial"/>
+              <a:buNone/>
+              <a:defRPr b="0" i="0" sz="1800" u="none" cap="none" strike="noStrike">
+                <a:solidFill>
+                  <a:srgbClr val="000000"/>
+                </a:solidFill>
+                <a:latin typeface="Arial"/>
+                <a:ea typeface="Arial"/>
+                <a:cs typeface="Arial"/>
+                <a:sym typeface="Arial"/>
+              </a:defRPr>
             </a:lvl6pPr>
-            <a:lvl7pPr lvl="6">
-              <a:spcBef>
-                <a:spcPts val="0"/>
-              </a:spcBef>
-              <a:spcAft>
-                <a:spcPts val="0"/>
-              </a:spcAft>
+            <a:lvl7pPr lvl="6" marR="0" rtl="0" algn="l">
+              <a:lnSpc>
+                <a:spcPct val="100000"/>
+              </a:lnSpc>
+              <a:spcBef>
+                <a:spcPts val="0"/>
+              </a:spcBef>
+              <a:spcAft>
+                <a:spcPts val="0"/>
+              </a:spcAft>
+              <a:buClr>
+                <a:srgbClr val="000000"/>
+              </a:buClr>
               <a:buSzPts val="1400"/>
-              <a:buNone/>
-              <a:defRPr sz="1800"/>
+              <a:buFont typeface="Arial"/>
+              <a:buNone/>
+              <a:defRPr b="0" i="0" sz="1800" u="none" cap="none" strike="noStrike">
+                <a:solidFill>
+                  <a:srgbClr val="000000"/>
+                </a:solidFill>
+                <a:latin typeface="Arial"/>
+                <a:ea typeface="Arial"/>
+                <a:cs typeface="Arial"/>
+                <a:sym typeface="Arial"/>
+              </a:defRPr>
             </a:lvl7pPr>
-            <a:lvl8pPr lvl="7">
-              <a:spcBef>
-                <a:spcPts val="0"/>
-              </a:spcBef>
-              <a:spcAft>
-                <a:spcPts val="0"/>
-              </a:spcAft>
+            <a:lvl8pPr lvl="7" marR="0" rtl="0" algn="l">
+              <a:lnSpc>
+                <a:spcPct val="100000"/>
+              </a:lnSpc>
+              <a:spcBef>
+                <a:spcPts val="0"/>
+              </a:spcBef>
+              <a:spcAft>
+                <a:spcPts val="0"/>
+              </a:spcAft>
+              <a:buClr>
+                <a:srgbClr val="000000"/>
+              </a:buClr>
               <a:buSzPts val="1400"/>
-              <a:buNone/>
-              <a:defRPr sz="1800"/>
+              <a:buFont typeface="Arial"/>
+              <a:buNone/>
+              <a:defRPr b="0" i="0" sz="1800" u="none" cap="none" strike="noStrike">
+                <a:solidFill>
+                  <a:srgbClr val="000000"/>
+                </a:solidFill>
+                <a:latin typeface="Arial"/>
+                <a:ea typeface="Arial"/>
+                <a:cs typeface="Arial"/>
+                <a:sym typeface="Arial"/>
+              </a:defRPr>
             </a:lvl8pPr>
-            <a:lvl9pPr lvl="8">
-              <a:spcBef>
-                <a:spcPts val="0"/>
-              </a:spcBef>
-              <a:spcAft>
-                <a:spcPts val="0"/>
-              </a:spcAft>
+            <a:lvl9pPr lvl="8" marR="0" rtl="0" algn="l">
+              <a:lnSpc>
+                <a:spcPct val="100000"/>
+              </a:lnSpc>
+              <a:spcBef>
+                <a:spcPts val="0"/>
+              </a:spcBef>
+              <a:spcAft>
+                <a:spcPts val="0"/>
+              </a:spcAft>
+              <a:buClr>
+                <a:srgbClr val="000000"/>
+              </a:buClr>
               <a:buSzPts val="1400"/>
-              <a:buNone/>
-              <a:defRPr sz="1800"/>
+              <a:buFont typeface="Arial"/>
+              <a:buNone/>
+              <a:defRPr b="0" i="0" sz="1800" u="none" cap="none" strike="noStrike">
+                <a:solidFill>
+                  <a:srgbClr val="000000"/>
+                </a:solidFill>
+                <a:latin typeface="Arial"/>
+                <a:ea typeface="Arial"/>
+                <a:cs typeface="Arial"/>
+                <a:sym typeface="Arial"/>
+              </a:defRPr>
             </a:lvl9pPr>
           </a:lstStyle>
           <a:p/>
@@ -6391,74 +6870,8 @@
         </p:nvSpPr>
         <p:spPr>
           <a:xfrm>
-            <a:off x="3439454" y="4889490"/>
-            <a:ext cx="2265092" cy="156974"/>
-          </a:xfrm>
-          <a:prstGeom prst="rect">
-            <a:avLst/>
-          </a:prstGeom>
-          <a:noFill/>
-          <a:ln>
-            <a:noFill/>
-          </a:ln>
-        </p:spPr>
-        <p:txBody>
-          <a:bodyPr anchorCtr="0" anchor="t" bIns="0" lIns="0" spcFirstLastPara="1" rIns="0" wrap="square" tIns="0">
-            <a:noAutofit/>
-          </a:bodyPr>
-          <a:lstStyle/>
-          <a:p>
-            <a:pPr indent="0" lvl="0" marL="0" marR="0" rtl="0" algn="ctr">
-              <a:lnSpc>
-                <a:spcPct val="100000"/>
-              </a:lnSpc>
-              <a:spcBef>
-                <a:spcPts val="0"/>
-              </a:spcBef>
-              <a:spcAft>
-                <a:spcPts val="0"/>
-              </a:spcAft>
-              <a:buClr>
-                <a:schemeClr val="lt1"/>
-              </a:buClr>
-              <a:buSzPts val="675"/>
-              <a:buFont typeface="Rubik"/>
-              <a:buNone/>
-            </a:pPr>
-            <a:r>
-              <a:rPr b="0" i="0" lang="en-US" sz="675" u="none" cap="none" strike="noStrike">
-                <a:solidFill>
-                  <a:schemeClr val="lt1"/>
-                </a:solidFill>
-                <a:latin typeface="Rubik"/>
-                <a:ea typeface="Rubik"/>
-                <a:cs typeface="Rubik"/>
-                <a:sym typeface="Rubik"/>
-              </a:rPr>
-              <a:t>© 2021 InfluxData. All rights reserved. </a:t>
-            </a:r>
-            <a:endParaRPr b="0" i="0" sz="675" u="none" cap="none" strike="noStrike">
-              <a:solidFill>
-                <a:schemeClr val="lt1"/>
-              </a:solidFill>
-              <a:latin typeface="Rubik"/>
-              <a:ea typeface="Rubik"/>
-              <a:cs typeface="Rubik"/>
-              <a:sym typeface="Rubik"/>
-            </a:endParaRPr>
-          </a:p>
-        </p:txBody>
-      </p:sp>
-      <p:sp>
-        <p:nvSpPr>
-          <p:cNvPr id="10" name="Google Shape;10;p10"/>
-          <p:cNvSpPr txBox="1"/>
-          <p:nvPr/>
-        </p:nvSpPr>
-        <p:spPr>
-          <a:xfrm>
-            <a:off x="7823950" y="4889491"/>
-            <a:ext cx="949478" cy="149432"/>
+            <a:off x="8096075" y="4907179"/>
+            <a:ext cx="949500" cy="149400"/>
           </a:xfrm>
           <a:prstGeom prst="rect">
             <a:avLst/>
@@ -6542,6 +6955,72 @@
               <a:ea typeface="Rubik"/>
               <a:cs typeface="Rubik"/>
               <a:sym typeface="Rubik"/>
+            </a:endParaRPr>
+          </a:p>
+        </p:txBody>
+      </p:sp>
+      <p:sp>
+        <p:nvSpPr>
+          <p:cNvPr id="10" name="Google Shape;10;p10"/>
+          <p:cNvSpPr txBox="1"/>
+          <p:nvPr/>
+        </p:nvSpPr>
+        <p:spPr>
+          <a:xfrm>
+            <a:off x="3914936" y="4889489"/>
+            <a:ext cx="1314000" cy="184800"/>
+          </a:xfrm>
+          <a:prstGeom prst="rect">
+            <a:avLst/>
+          </a:prstGeom>
+          <a:noFill/>
+          <a:ln>
+            <a:noFill/>
+          </a:ln>
+        </p:spPr>
+        <p:txBody>
+          <a:bodyPr anchorCtr="0" anchor="t" bIns="0" lIns="0" spcFirstLastPara="1" rIns="0" wrap="square" tIns="0">
+            <a:spAutoFit/>
+          </a:bodyPr>
+          <a:lstStyle/>
+          <a:p>
+            <a:pPr indent="0" lvl="0" marL="0" marR="0" rtl="0" algn="ctr">
+              <a:lnSpc>
+                <a:spcPct val="100000"/>
+              </a:lnSpc>
+              <a:spcBef>
+                <a:spcPts val="0"/>
+              </a:spcBef>
+              <a:spcAft>
+                <a:spcPts val="0"/>
+              </a:spcAft>
+              <a:buClr>
+                <a:srgbClr val="FFFFFF"/>
+              </a:buClr>
+              <a:buSzPts val="600"/>
+              <a:buFont typeface="Rubik"/>
+              <a:buNone/>
+            </a:pPr>
+            <a:r>
+              <a:rPr b="0" i="0" lang="en-US" sz="600" u="none" cap="none" strike="noStrike">
+                <a:solidFill>
+                  <a:srgbClr val="FFFFFF"/>
+                </a:solidFill>
+                <a:latin typeface="Rubik"/>
+                <a:ea typeface="Rubik"/>
+                <a:cs typeface="Rubik"/>
+                <a:sym typeface="Rubik"/>
+              </a:rPr>
+              <a:t>© 2021 InfluxData. All rights reserved. </a:t>
+            </a:r>
+            <a:endParaRPr b="0" i="0" sz="1400" u="none" cap="none" strike="noStrike">
+              <a:solidFill>
+                <a:srgbClr val="000000"/>
+              </a:solidFill>
+              <a:latin typeface="Arial"/>
+              <a:ea typeface="Arial"/>
+              <a:cs typeface="Arial"/>
+              <a:sym typeface="Arial"/>
             </a:endParaRPr>
           </a:p>
         </p:txBody>
@@ -7341,304 +7820,6 @@
         <p:nvSpPr>
           <p:cNvPr id="60" name="Google Shape;60;p1"/>
           <p:cNvSpPr txBox="1"/>
-          <p:nvPr/>
-        </p:nvSpPr>
-        <p:spPr>
-          <a:xfrm>
-            <a:off x="711705" y="3507708"/>
-            <a:ext cx="5297138" cy="1400383"/>
-          </a:xfrm>
-          <a:prstGeom prst="rect">
-            <a:avLst/>
-          </a:prstGeom>
-          <a:noFill/>
-          <a:ln>
-            <a:noFill/>
-          </a:ln>
-        </p:spPr>
-        <p:txBody>
-          <a:bodyPr anchorCtr="0" anchor="t" bIns="0" lIns="0" spcFirstLastPara="1" rIns="0" wrap="square" tIns="0">
-            <a:spAutoFit/>
-          </a:bodyPr>
-          <a:lstStyle/>
-          <a:p>
-            <a:pPr indent="-177800" lvl="0" marL="177800" marR="0" rtl="0" algn="l">
-              <a:lnSpc>
-                <a:spcPct val="100000"/>
-              </a:lnSpc>
-              <a:spcBef>
-                <a:spcPts val="0"/>
-              </a:spcBef>
-              <a:spcAft>
-                <a:spcPts val="0"/>
-              </a:spcAft>
-              <a:buClr>
-                <a:srgbClr val="FFFFFF"/>
-              </a:buClr>
-              <a:buSzPts val="1300"/>
-              <a:buFont typeface="Helvetica Neue Light"/>
-              <a:buNone/>
-            </a:pPr>
-            <a:r>
-              <a:rPr b="1" i="0" lang="en-US" sz="1300" u="none" cap="none" strike="noStrike">
-                <a:solidFill>
-                  <a:srgbClr val="FFFFFF"/>
-                </a:solidFill>
-                <a:latin typeface="Helvetica Neue Light"/>
-                <a:ea typeface="Helvetica Neue Light"/>
-                <a:cs typeface="Helvetica Neue Light"/>
-                <a:sym typeface="Helvetica Neue Light"/>
-              </a:rPr>
-              <a:t>Emanuele Della Valle</a:t>
-            </a:r>
-            <a:endParaRPr b="1" i="0" sz="1300" u="none" cap="none" strike="noStrike">
-              <a:solidFill>
-                <a:srgbClr val="000000"/>
-              </a:solidFill>
-              <a:latin typeface="Calibri"/>
-              <a:ea typeface="Calibri"/>
-              <a:cs typeface="Calibri"/>
-              <a:sym typeface="Calibri"/>
-            </a:endParaRPr>
-          </a:p>
-          <a:p>
-            <a:pPr indent="-177800" lvl="0" marL="177800" marR="0" rtl="0" algn="l">
-              <a:lnSpc>
-                <a:spcPct val="100000"/>
-              </a:lnSpc>
-              <a:spcBef>
-                <a:spcPts val="0"/>
-              </a:spcBef>
-              <a:spcAft>
-                <a:spcPts val="0"/>
-              </a:spcAft>
-              <a:buClr>
-                <a:srgbClr val="FFFFFF"/>
-              </a:buClr>
-              <a:buSzPts val="1300"/>
-              <a:buFont typeface="Helvetica Neue Light"/>
-              <a:buNone/>
-            </a:pPr>
-            <a:r>
-              <a:rPr b="0" i="0" lang="en-US" sz="1300" u="none" cap="none" strike="noStrike">
-                <a:solidFill>
-                  <a:srgbClr val="FFFFFF"/>
-                </a:solidFill>
-                <a:latin typeface="Helvetica Neue Light"/>
-                <a:ea typeface="Helvetica Neue Light"/>
-                <a:cs typeface="Helvetica Neue Light"/>
-                <a:sym typeface="Helvetica Neue Light"/>
-              </a:rPr>
-              <a:t>Prof. @ Politecnico di Milano </a:t>
-            </a:r>
-            <a:endParaRPr b="0" i="0" sz="1300" u="none" cap="none" strike="noStrike">
-              <a:solidFill>
-                <a:srgbClr val="000000"/>
-              </a:solidFill>
-              <a:latin typeface="Calibri"/>
-              <a:ea typeface="Calibri"/>
-              <a:cs typeface="Calibri"/>
-              <a:sym typeface="Calibri"/>
-            </a:endParaRPr>
-          </a:p>
-          <a:p>
-            <a:pPr indent="-177800" lvl="0" marL="177800" marR="0" rtl="0" algn="l">
-              <a:lnSpc>
-                <a:spcPct val="100000"/>
-              </a:lnSpc>
-              <a:spcBef>
-                <a:spcPts val="0"/>
-              </a:spcBef>
-              <a:spcAft>
-                <a:spcPts val="0"/>
-              </a:spcAft>
-              <a:buClr>
-                <a:srgbClr val="FFFFFF"/>
-              </a:buClr>
-              <a:buSzPts val="1300"/>
-              <a:buFont typeface="Helvetica Neue Light"/>
-              <a:buNone/>
-            </a:pPr>
-            <a:r>
-              <a:rPr b="0" i="0" lang="en-US" sz="1300" u="none" cap="none" strike="noStrike">
-                <a:solidFill>
-                  <a:srgbClr val="FFFFFF"/>
-                </a:solidFill>
-                <a:latin typeface="Helvetica Neue Light"/>
-                <a:ea typeface="Helvetica Neue Light"/>
-                <a:cs typeface="Helvetica Neue Light"/>
-                <a:sym typeface="Helvetica Neue Light"/>
-              </a:rPr>
-              <a:t>Founder &amp; Partner @ Quantia Consulting</a:t>
-            </a:r>
-            <a:endParaRPr b="0" i="0" sz="1300" u="none" cap="none" strike="noStrike">
-              <a:solidFill>
-                <a:srgbClr val="000000"/>
-              </a:solidFill>
-              <a:latin typeface="Calibri"/>
-              <a:ea typeface="Calibri"/>
-              <a:cs typeface="Calibri"/>
-              <a:sym typeface="Calibri"/>
-            </a:endParaRPr>
-          </a:p>
-          <a:p>
-            <a:pPr indent="-177800" lvl="0" marL="177800" marR="0" rtl="0" algn="l">
-              <a:lnSpc>
-                <a:spcPct val="100000"/>
-              </a:lnSpc>
-              <a:spcBef>
-                <a:spcPts val="0"/>
-              </a:spcBef>
-              <a:spcAft>
-                <a:spcPts val="0"/>
-              </a:spcAft>
-              <a:buClr>
-                <a:srgbClr val="FFFFFF"/>
-              </a:buClr>
-              <a:buSzPts val="1300"/>
-              <a:buFont typeface="Helvetica Neue Light"/>
-              <a:buNone/>
-            </a:pPr>
-            <a:r>
-              <a:rPr b="1" i="0" lang="en-US" sz="1300" u="none" cap="none" strike="noStrike">
-                <a:solidFill>
-                  <a:srgbClr val="FFFFFF"/>
-                </a:solidFill>
-                <a:latin typeface="Helvetica Neue Light"/>
-                <a:ea typeface="Helvetica Neue Light"/>
-                <a:cs typeface="Helvetica Neue Light"/>
-                <a:sym typeface="Helvetica Neue Light"/>
-              </a:rPr>
-              <a:t>Marco Balduini</a:t>
-            </a:r>
-            <a:endParaRPr b="1" i="0" sz="1300" u="none" cap="none" strike="noStrike">
-              <a:solidFill>
-                <a:srgbClr val="000000"/>
-              </a:solidFill>
-              <a:latin typeface="Calibri"/>
-              <a:ea typeface="Calibri"/>
-              <a:cs typeface="Calibri"/>
-              <a:sym typeface="Calibri"/>
-            </a:endParaRPr>
-          </a:p>
-          <a:p>
-            <a:pPr indent="-177800" lvl="0" marL="177800" marR="0" rtl="0" algn="l">
-              <a:lnSpc>
-                <a:spcPct val="100000"/>
-              </a:lnSpc>
-              <a:spcBef>
-                <a:spcPts val="0"/>
-              </a:spcBef>
-              <a:spcAft>
-                <a:spcPts val="0"/>
-              </a:spcAft>
-              <a:buClr>
-                <a:srgbClr val="FFFFFF"/>
-              </a:buClr>
-              <a:buSzPts val="1300"/>
-              <a:buFont typeface="Helvetica Neue Light"/>
-              <a:buNone/>
-            </a:pPr>
-            <a:r>
-              <a:rPr b="0" i="0" lang="en-US" sz="1300" u="none" cap="none" strike="noStrike">
-                <a:solidFill>
-                  <a:srgbClr val="FFFFFF"/>
-                </a:solidFill>
-                <a:latin typeface="Helvetica Neue Light"/>
-                <a:ea typeface="Helvetica Neue Light"/>
-                <a:cs typeface="Helvetica Neue Light"/>
-                <a:sym typeface="Helvetica Neue Light"/>
-              </a:rPr>
-              <a:t>Founder &amp; CEO @ Quantia Consulting</a:t>
-            </a:r>
-            <a:endParaRPr/>
-          </a:p>
-          <a:p>
-            <a:pPr indent="-177800" lvl="0" marL="177800" marR="0" rtl="0" algn="l">
-              <a:lnSpc>
-                <a:spcPct val="100000"/>
-              </a:lnSpc>
-              <a:spcBef>
-                <a:spcPts val="0"/>
-              </a:spcBef>
-              <a:spcAft>
-                <a:spcPts val="0"/>
-              </a:spcAft>
-              <a:buClr>
-                <a:srgbClr val="FFFFFF"/>
-              </a:buClr>
-              <a:buSzPts val="1300"/>
-              <a:buFont typeface="Helvetica Neue Light"/>
-              <a:buNone/>
-            </a:pPr>
-            <a:r>
-              <a:rPr b="1" i="0" lang="en-US" sz="1300" u="none" cap="none" strike="noStrike">
-                <a:solidFill>
-                  <a:srgbClr val="FFFFFF"/>
-                </a:solidFill>
-                <a:latin typeface="Helvetica Neue Light"/>
-                <a:ea typeface="Helvetica Neue Light"/>
-                <a:cs typeface="Helvetica Neue Light"/>
-                <a:sym typeface="Helvetica Neue Light"/>
-              </a:rPr>
-              <a:t>Riccardo Tommasini</a:t>
-            </a:r>
-            <a:endParaRPr b="1" i="0" sz="1300" u="none" cap="none" strike="noStrike">
-              <a:solidFill>
-                <a:srgbClr val="000000"/>
-              </a:solidFill>
-              <a:latin typeface="Calibri"/>
-              <a:ea typeface="Calibri"/>
-              <a:cs typeface="Calibri"/>
-              <a:sym typeface="Calibri"/>
-            </a:endParaRPr>
-          </a:p>
-          <a:p>
-            <a:pPr indent="-100013" lvl="0" marL="100013" marR="0" rtl="0" algn="l">
-              <a:lnSpc>
-                <a:spcPct val="100000"/>
-              </a:lnSpc>
-              <a:spcBef>
-                <a:spcPts val="0"/>
-              </a:spcBef>
-              <a:spcAft>
-                <a:spcPts val="0"/>
-              </a:spcAft>
-              <a:buClr>
-                <a:srgbClr val="FFFFFF"/>
-              </a:buClr>
-              <a:buSzPts val="1300"/>
-              <a:buFont typeface="Helvetica Neue Light"/>
-              <a:buNone/>
-            </a:pPr>
-            <a:r>
-              <a:rPr b="0" i="0" lang="en-US" sz="1300" u="none" cap="none" strike="noStrike">
-                <a:solidFill>
-                  <a:srgbClr val="FFFFFF"/>
-                </a:solidFill>
-                <a:latin typeface="Helvetica Neue Light"/>
-                <a:ea typeface="Helvetica Neue Light"/>
-                <a:cs typeface="Helvetica Neue Light"/>
-                <a:sym typeface="Helvetica Neue Light"/>
-              </a:rPr>
-              <a:t>Prof. @ University of Tartu</a:t>
-            </a:r>
-            <a:endParaRPr b="0" i="0" sz="1300" u="none" cap="none" strike="noStrike">
-              <a:solidFill>
-                <a:srgbClr val="000000"/>
-              </a:solidFill>
-              <a:latin typeface="Calibri"/>
-              <a:ea typeface="Calibri"/>
-              <a:cs typeface="Calibri"/>
-              <a:sym typeface="Calibri"/>
-            </a:endParaRPr>
-          </a:p>
-        </p:txBody>
-      </p:sp>
-      <p:sp>
-        <p:nvSpPr>
-          <p:cNvPr id="61" name="Google Shape;61;p1"/>
-          <p:cNvSpPr txBox="1"/>
           <p:nvPr>
             <p:ph idx="12" type="sldNum"/>
           </p:nvPr>
@@ -7684,6 +7865,312 @@
               <a:t>‹#›</a:t>
             </a:fld>
             <a:endParaRPr/>
+          </a:p>
+        </p:txBody>
+      </p:sp>
+      <p:sp>
+        <p:nvSpPr>
+          <p:cNvPr id="61" name="Google Shape;61;p1"/>
+          <p:cNvSpPr txBox="1"/>
+          <p:nvPr/>
+        </p:nvSpPr>
+        <p:spPr>
+          <a:xfrm>
+            <a:off x="711705" y="3507707"/>
+            <a:ext cx="5297100" cy="1400700"/>
+          </a:xfrm>
+          <a:prstGeom prst="rect">
+            <a:avLst/>
+          </a:prstGeom>
+          <a:noFill/>
+          <a:ln>
+            <a:noFill/>
+          </a:ln>
+        </p:spPr>
+        <p:txBody>
+          <a:bodyPr anchorCtr="0" anchor="t" bIns="0" lIns="0" spcFirstLastPara="1" rIns="0" wrap="square" tIns="0">
+            <a:spAutoFit/>
+          </a:bodyPr>
+          <a:lstStyle/>
+          <a:p>
+            <a:pPr indent="-177800" lvl="0" marL="177800" marR="0" rtl="0" algn="l">
+              <a:lnSpc>
+                <a:spcPct val="100000"/>
+              </a:lnSpc>
+              <a:spcBef>
+                <a:spcPts val="0"/>
+              </a:spcBef>
+              <a:spcAft>
+                <a:spcPts val="0"/>
+              </a:spcAft>
+              <a:buClr>
+                <a:srgbClr val="FFFFFF"/>
+              </a:buClr>
+              <a:buSzPts val="1300"/>
+              <a:buFont typeface="Helvetica Neue"/>
+              <a:buNone/>
+            </a:pPr>
+            <a:r>
+              <a:rPr b="0" i="0" lang="en-US" sz="1300" u="none" cap="none" strike="noStrike">
+                <a:solidFill>
+                  <a:srgbClr val="FFFFFF"/>
+                </a:solidFill>
+                <a:latin typeface="Helvetica Neue"/>
+                <a:ea typeface="Helvetica Neue"/>
+                <a:cs typeface="Helvetica Neue"/>
+                <a:sym typeface="Helvetica Neue"/>
+              </a:rPr>
+              <a:t>Emanuele Della Valle</a:t>
+            </a:r>
+            <a:endParaRPr b="0" i="0" sz="1400" u="none" cap="none" strike="noStrike">
+              <a:solidFill>
+                <a:srgbClr val="000000"/>
+              </a:solidFill>
+              <a:latin typeface="Calibri"/>
+              <a:ea typeface="Calibri"/>
+              <a:cs typeface="Calibri"/>
+              <a:sym typeface="Calibri"/>
+            </a:endParaRPr>
+          </a:p>
+          <a:p>
+            <a:pPr indent="-177800" lvl="0" marL="177800" marR="0" rtl="0" algn="l">
+              <a:lnSpc>
+                <a:spcPct val="100000"/>
+              </a:lnSpc>
+              <a:spcBef>
+                <a:spcPts val="0"/>
+              </a:spcBef>
+              <a:spcAft>
+                <a:spcPts val="0"/>
+              </a:spcAft>
+              <a:buClr>
+                <a:srgbClr val="FFFFFF"/>
+              </a:buClr>
+              <a:buSzPts val="1300"/>
+              <a:buFont typeface="Helvetica Neue"/>
+              <a:buNone/>
+            </a:pPr>
+            <a:r>
+              <a:rPr b="0" i="0" lang="en-US" sz="1300" u="none" cap="none" strike="noStrike">
+                <a:solidFill>
+                  <a:srgbClr val="FFFFFF"/>
+                </a:solidFill>
+                <a:latin typeface="Helvetica Neue"/>
+                <a:ea typeface="Helvetica Neue"/>
+                <a:cs typeface="Helvetica Neue"/>
+                <a:sym typeface="Helvetica Neue"/>
+              </a:rPr>
+              <a:t>Prof. @ Politecnico di Milano </a:t>
+            </a:r>
+            <a:endParaRPr b="0" i="0" sz="1400" u="none" cap="none" strike="noStrike">
+              <a:solidFill>
+                <a:srgbClr val="000000"/>
+              </a:solidFill>
+              <a:latin typeface="Calibri"/>
+              <a:ea typeface="Calibri"/>
+              <a:cs typeface="Calibri"/>
+              <a:sym typeface="Calibri"/>
+            </a:endParaRPr>
+          </a:p>
+          <a:p>
+            <a:pPr indent="-177800" lvl="0" marL="177800" marR="0" rtl="0" algn="l">
+              <a:lnSpc>
+                <a:spcPct val="100000"/>
+              </a:lnSpc>
+              <a:spcBef>
+                <a:spcPts val="0"/>
+              </a:spcBef>
+              <a:spcAft>
+                <a:spcPts val="0"/>
+              </a:spcAft>
+              <a:buClr>
+                <a:srgbClr val="FFFFFF"/>
+              </a:buClr>
+              <a:buSzPts val="1300"/>
+              <a:buFont typeface="Helvetica Neue"/>
+              <a:buNone/>
+            </a:pPr>
+            <a:r>
+              <a:rPr b="0" i="0" lang="en-US" sz="1300" u="none" cap="none" strike="noStrike">
+                <a:solidFill>
+                  <a:srgbClr val="FFFFFF"/>
+                </a:solidFill>
+                <a:latin typeface="Helvetica Neue"/>
+                <a:ea typeface="Helvetica Neue"/>
+                <a:cs typeface="Helvetica Neue"/>
+                <a:sym typeface="Helvetica Neue"/>
+              </a:rPr>
+              <a:t>Founder &amp; Partner @ Quantia Consulting</a:t>
+            </a:r>
+            <a:endParaRPr b="0" i="0" sz="1400" u="none" cap="none" strike="noStrike">
+              <a:solidFill>
+                <a:srgbClr val="000000"/>
+              </a:solidFill>
+              <a:latin typeface="Calibri"/>
+              <a:ea typeface="Calibri"/>
+              <a:cs typeface="Calibri"/>
+              <a:sym typeface="Calibri"/>
+            </a:endParaRPr>
+          </a:p>
+          <a:p>
+            <a:pPr indent="-177800" lvl="0" marL="177800" marR="0" rtl="0" algn="l">
+              <a:lnSpc>
+                <a:spcPct val="100000"/>
+              </a:lnSpc>
+              <a:spcBef>
+                <a:spcPts val="0"/>
+              </a:spcBef>
+              <a:spcAft>
+                <a:spcPts val="0"/>
+              </a:spcAft>
+              <a:buClr>
+                <a:srgbClr val="FFFFFF"/>
+              </a:buClr>
+              <a:buSzPts val="1300"/>
+              <a:buFont typeface="Helvetica Neue"/>
+              <a:buNone/>
+            </a:pPr>
+            <a:r>
+              <a:rPr b="0" i="0" lang="en-US" sz="1300" u="none" cap="none" strike="noStrike">
+                <a:solidFill>
+                  <a:srgbClr val="FFFFFF"/>
+                </a:solidFill>
+                <a:latin typeface="Helvetica Neue"/>
+                <a:ea typeface="Helvetica Neue"/>
+                <a:cs typeface="Helvetica Neue"/>
+                <a:sym typeface="Helvetica Neue"/>
+              </a:rPr>
+              <a:t>Marco Balduini</a:t>
+            </a:r>
+            <a:endParaRPr b="0" i="0" sz="1400" u="none" cap="none" strike="noStrike">
+              <a:solidFill>
+                <a:srgbClr val="000000"/>
+              </a:solidFill>
+              <a:latin typeface="Calibri"/>
+              <a:ea typeface="Calibri"/>
+              <a:cs typeface="Calibri"/>
+              <a:sym typeface="Calibri"/>
+            </a:endParaRPr>
+          </a:p>
+          <a:p>
+            <a:pPr indent="-177800" lvl="0" marL="177800" marR="0" rtl="0" algn="l">
+              <a:lnSpc>
+                <a:spcPct val="100000"/>
+              </a:lnSpc>
+              <a:spcBef>
+                <a:spcPts val="0"/>
+              </a:spcBef>
+              <a:spcAft>
+                <a:spcPts val="0"/>
+              </a:spcAft>
+              <a:buClr>
+                <a:srgbClr val="FFFFFF"/>
+              </a:buClr>
+              <a:buSzPts val="1300"/>
+              <a:buFont typeface="Helvetica Neue"/>
+              <a:buNone/>
+            </a:pPr>
+            <a:r>
+              <a:rPr b="0" i="0" lang="en-US" sz="1300" u="none" cap="none" strike="noStrike">
+                <a:solidFill>
+                  <a:srgbClr val="FFFFFF"/>
+                </a:solidFill>
+                <a:latin typeface="Helvetica Neue"/>
+                <a:ea typeface="Helvetica Neue"/>
+                <a:cs typeface="Helvetica Neue"/>
+                <a:sym typeface="Helvetica Neue"/>
+              </a:rPr>
+              <a:t>Founder &amp; CEO @ Quantia Consulting</a:t>
+            </a:r>
+            <a:endParaRPr b="0" i="0" sz="1800" u="none" cap="none" strike="noStrike">
+              <a:solidFill>
+                <a:srgbClr val="000000"/>
+              </a:solidFill>
+              <a:latin typeface="Calibri"/>
+              <a:ea typeface="Calibri"/>
+              <a:cs typeface="Calibri"/>
+              <a:sym typeface="Calibri"/>
+            </a:endParaRPr>
+          </a:p>
+          <a:p>
+            <a:pPr indent="-177800" lvl="0" marL="177800" marR="0" rtl="0" algn="l">
+              <a:lnSpc>
+                <a:spcPct val="100000"/>
+              </a:lnSpc>
+              <a:spcBef>
+                <a:spcPts val="0"/>
+              </a:spcBef>
+              <a:spcAft>
+                <a:spcPts val="0"/>
+              </a:spcAft>
+              <a:buClr>
+                <a:srgbClr val="FFFFFF"/>
+              </a:buClr>
+              <a:buSzPts val="1300"/>
+              <a:buFont typeface="Helvetica Neue"/>
+              <a:buNone/>
+            </a:pPr>
+            <a:r>
+              <a:rPr b="0" i="0" lang="en-US" sz="1300" u="none" cap="none" strike="noStrike">
+                <a:solidFill>
+                  <a:srgbClr val="FFFFFF"/>
+                </a:solidFill>
+                <a:latin typeface="Helvetica Neue"/>
+                <a:ea typeface="Helvetica Neue"/>
+                <a:cs typeface="Helvetica Neue"/>
+                <a:sym typeface="Helvetica Neue"/>
+              </a:rPr>
+              <a:t>Riccardo Tommasini</a:t>
+            </a:r>
+            <a:endParaRPr b="0" i="0" sz="1400" u="none" cap="none" strike="noStrike">
+              <a:solidFill>
+                <a:srgbClr val="000000"/>
+              </a:solidFill>
+              <a:latin typeface="Calibri"/>
+              <a:ea typeface="Calibri"/>
+              <a:cs typeface="Calibri"/>
+              <a:sym typeface="Calibri"/>
+            </a:endParaRPr>
+          </a:p>
+          <a:p>
+            <a:pPr indent="-100012" lvl="0" marL="100012" marR="0" rtl="0" algn="l">
+              <a:lnSpc>
+                <a:spcPct val="100000"/>
+              </a:lnSpc>
+              <a:spcBef>
+                <a:spcPts val="0"/>
+              </a:spcBef>
+              <a:spcAft>
+                <a:spcPts val="0"/>
+              </a:spcAft>
+              <a:buClr>
+                <a:srgbClr val="FFFFFF"/>
+              </a:buClr>
+              <a:buSzPts val="1300"/>
+              <a:buFont typeface="Helvetica Neue"/>
+              <a:buNone/>
+            </a:pPr>
+            <a:r>
+              <a:rPr b="0" i="0" lang="en-US" sz="1300" u="none" cap="none" strike="noStrike">
+                <a:solidFill>
+                  <a:srgbClr val="FFFFFF"/>
+                </a:solidFill>
+                <a:latin typeface="Helvetica Neue"/>
+                <a:ea typeface="Helvetica Neue"/>
+                <a:cs typeface="Helvetica Neue"/>
+                <a:sym typeface="Helvetica Neue"/>
+              </a:rPr>
+              <a:t>Prof. @ University of Tartu</a:t>
+            </a:r>
+            <a:endParaRPr b="0" i="0" sz="1400" u="none" cap="none" strike="noStrike">
+              <a:solidFill>
+                <a:srgbClr val="000000"/>
+              </a:solidFill>
+              <a:latin typeface="Arial"/>
+              <a:ea typeface="Arial"/>
+              <a:cs typeface="Arial"/>
+              <a:sym typeface="Arial"/>
+            </a:endParaRPr>
           </a:p>
         </p:txBody>
       </p:sp>
@@ -7940,7 +8427,7 @@
           <a:blip r:embed="rId3">
             <a:alphaModFix/>
           </a:blip>
-          <a:srcRect b="0" l="20414" r="8327" t="0"/>
+          <a:srcRect b="0" l="20414" r="8326" t="0"/>
           <a:stretch/>
         </p:blipFill>
         <p:spPr>
@@ -8562,7 +9049,15 @@
                 </a:rPr>
                 <a:t>BC2</a:t>
               </a:r>
-              <a:endParaRPr/>
+              <a:endParaRPr b="0" i="0" sz="1400" u="none" cap="none" strike="noStrike">
+                <a:solidFill>
+                  <a:srgbClr val="000000"/>
+                </a:solidFill>
+                <a:latin typeface="Arial"/>
+                <a:ea typeface="Arial"/>
+                <a:cs typeface="Arial"/>
+                <a:sym typeface="Arial"/>
+              </a:endParaRPr>
             </a:p>
           </p:txBody>
         </p:sp>
@@ -8885,7 +9380,7 @@
           </a:prstGeom>
           <a:solidFill>
             <a:srgbClr val="44546A">
-              <a:alpha val="73725"/>
+              <a:alpha val="73333"/>
             </a:srgbClr>
           </a:solidFill>
           <a:ln>
@@ -8946,7 +9441,7 @@
           </a:prstGeom>
           <a:solidFill>
             <a:srgbClr val="44546A">
-              <a:alpha val="73725"/>
+              <a:alpha val="73333"/>
             </a:srgbClr>
           </a:solidFill>
           <a:ln>
@@ -9007,7 +9502,7 @@
           </a:prstGeom>
           <a:solidFill>
             <a:srgbClr val="44546A">
-              <a:alpha val="73725"/>
+              <a:alpha val="73333"/>
             </a:srgbClr>
           </a:solidFill>
           <a:ln>
@@ -9444,7 +9939,15 @@
               </a:rPr>
               <a:t>Requirements</a:t>
             </a:r>
-            <a:endParaRPr/>
+            <a:endParaRPr b="0" i="0" sz="1400" u="none" cap="none" strike="noStrike">
+              <a:solidFill>
+                <a:srgbClr val="000000"/>
+              </a:solidFill>
+              <a:latin typeface="Arial"/>
+              <a:ea typeface="Arial"/>
+              <a:cs typeface="Arial"/>
+              <a:sym typeface="Arial"/>
+            </a:endParaRPr>
           </a:p>
         </p:txBody>
       </p:sp>
@@ -9502,7 +10005,15 @@
               </a:rPr>
               <a:t>Test cases</a:t>
             </a:r>
-            <a:endParaRPr/>
+            <a:endParaRPr b="0" i="0" sz="1400" u="none" cap="none" strike="noStrike">
+              <a:solidFill>
+                <a:srgbClr val="000000"/>
+              </a:solidFill>
+              <a:latin typeface="Arial"/>
+              <a:ea typeface="Arial"/>
+              <a:cs typeface="Arial"/>
+              <a:sym typeface="Arial"/>
+            </a:endParaRPr>
           </a:p>
         </p:txBody>
       </p:sp>
@@ -9719,13 +10230,12 @@
           <p:cNvPicPr preferRelativeResize="0"/>
           <p:nvPr/>
         </p:nvPicPr>
-        <p:blipFill>
+        <p:blipFill rotWithShape="1">
           <a:blip r:embed="rId4">
             <a:alphaModFix/>
           </a:blip>
-          <a:stretch>
-            <a:fillRect/>
-          </a:stretch>
+          <a:srcRect b="0" l="0" r="0" t="0"/>
+          <a:stretch/>
         </p:blipFill>
         <p:spPr>
           <a:xfrm rot="561634">
@@ -9963,7 +10473,7 @@
           <a:blip r:embed="rId3">
             <a:alphaModFix/>
           </a:blip>
-          <a:srcRect b="13343" l="0" r="0" t="23230"/>
+          <a:srcRect b="13342" l="0" r="0" t="23230"/>
           <a:stretch/>
         </p:blipFill>
         <p:spPr>
@@ -10285,7 +10795,15 @@
               </a:rPr>
               <a:t>https://v2.docs.influxdata.com/v2.0/reference/flux/stdlib/built-in/transformations/pivot/</a:t>
             </a:r>
-            <a:endParaRPr/>
+            <a:endParaRPr b="0" i="0" sz="1400" u="none" cap="none" strike="noStrike">
+              <a:solidFill>
+                <a:srgbClr val="000000"/>
+              </a:solidFill>
+              <a:latin typeface="Arial"/>
+              <a:ea typeface="Arial"/>
+              <a:cs typeface="Arial"/>
+              <a:sym typeface="Arial"/>
+            </a:endParaRPr>
           </a:p>
         </p:txBody>
       </p:sp>
@@ -10386,304 +10904,6 @@
         <p:nvSpPr>
           <p:cNvPr id="138" name="Google Shape;138;p9"/>
           <p:cNvSpPr txBox="1"/>
-          <p:nvPr/>
-        </p:nvSpPr>
-        <p:spPr>
-          <a:xfrm>
-            <a:off x="711705" y="3507708"/>
-            <a:ext cx="5297138" cy="1400383"/>
-          </a:xfrm>
-          <a:prstGeom prst="rect">
-            <a:avLst/>
-          </a:prstGeom>
-          <a:noFill/>
-          <a:ln>
-            <a:noFill/>
-          </a:ln>
-        </p:spPr>
-        <p:txBody>
-          <a:bodyPr anchorCtr="0" anchor="t" bIns="0" lIns="0" spcFirstLastPara="1" rIns="0" wrap="square" tIns="0">
-            <a:spAutoFit/>
-          </a:bodyPr>
-          <a:lstStyle/>
-          <a:p>
-            <a:pPr indent="-177800" lvl="0" marL="177800" marR="0" rtl="0" algn="l">
-              <a:lnSpc>
-                <a:spcPct val="100000"/>
-              </a:lnSpc>
-              <a:spcBef>
-                <a:spcPts val="0"/>
-              </a:spcBef>
-              <a:spcAft>
-                <a:spcPts val="0"/>
-              </a:spcAft>
-              <a:buClr>
-                <a:srgbClr val="FFFFFF"/>
-              </a:buClr>
-              <a:buSzPts val="1300"/>
-              <a:buFont typeface="Helvetica Neue Light"/>
-              <a:buNone/>
-            </a:pPr>
-            <a:r>
-              <a:rPr b="1" i="0" lang="en-US" sz="1300" u="none" cap="none" strike="noStrike">
-                <a:solidFill>
-                  <a:srgbClr val="FFFFFF"/>
-                </a:solidFill>
-                <a:latin typeface="Helvetica Neue Light"/>
-                <a:ea typeface="Helvetica Neue Light"/>
-                <a:cs typeface="Helvetica Neue Light"/>
-                <a:sym typeface="Helvetica Neue Light"/>
-              </a:rPr>
-              <a:t>Emanuele Della Valle</a:t>
-            </a:r>
-            <a:endParaRPr b="1" i="0" sz="1300" u="none" cap="none" strike="noStrike">
-              <a:solidFill>
-                <a:srgbClr val="000000"/>
-              </a:solidFill>
-              <a:latin typeface="Calibri"/>
-              <a:ea typeface="Calibri"/>
-              <a:cs typeface="Calibri"/>
-              <a:sym typeface="Calibri"/>
-            </a:endParaRPr>
-          </a:p>
-          <a:p>
-            <a:pPr indent="-177800" lvl="0" marL="177800" marR="0" rtl="0" algn="l">
-              <a:lnSpc>
-                <a:spcPct val="100000"/>
-              </a:lnSpc>
-              <a:spcBef>
-                <a:spcPts val="0"/>
-              </a:spcBef>
-              <a:spcAft>
-                <a:spcPts val="0"/>
-              </a:spcAft>
-              <a:buClr>
-                <a:srgbClr val="FFFFFF"/>
-              </a:buClr>
-              <a:buSzPts val="1300"/>
-              <a:buFont typeface="Helvetica Neue Light"/>
-              <a:buNone/>
-            </a:pPr>
-            <a:r>
-              <a:rPr b="0" i="0" lang="en-US" sz="1300" u="none" cap="none" strike="noStrike">
-                <a:solidFill>
-                  <a:srgbClr val="FFFFFF"/>
-                </a:solidFill>
-                <a:latin typeface="Helvetica Neue Light"/>
-                <a:ea typeface="Helvetica Neue Light"/>
-                <a:cs typeface="Helvetica Neue Light"/>
-                <a:sym typeface="Helvetica Neue Light"/>
-              </a:rPr>
-              <a:t>Prof. @ Politecnico di Milano </a:t>
-            </a:r>
-            <a:endParaRPr b="0" i="0" sz="1300" u="none" cap="none" strike="noStrike">
-              <a:solidFill>
-                <a:srgbClr val="000000"/>
-              </a:solidFill>
-              <a:latin typeface="Calibri"/>
-              <a:ea typeface="Calibri"/>
-              <a:cs typeface="Calibri"/>
-              <a:sym typeface="Calibri"/>
-            </a:endParaRPr>
-          </a:p>
-          <a:p>
-            <a:pPr indent="-177800" lvl="0" marL="177800" marR="0" rtl="0" algn="l">
-              <a:lnSpc>
-                <a:spcPct val="100000"/>
-              </a:lnSpc>
-              <a:spcBef>
-                <a:spcPts val="0"/>
-              </a:spcBef>
-              <a:spcAft>
-                <a:spcPts val="0"/>
-              </a:spcAft>
-              <a:buClr>
-                <a:srgbClr val="FFFFFF"/>
-              </a:buClr>
-              <a:buSzPts val="1300"/>
-              <a:buFont typeface="Helvetica Neue Light"/>
-              <a:buNone/>
-            </a:pPr>
-            <a:r>
-              <a:rPr b="0" i="0" lang="en-US" sz="1300" u="none" cap="none" strike="noStrike">
-                <a:solidFill>
-                  <a:srgbClr val="FFFFFF"/>
-                </a:solidFill>
-                <a:latin typeface="Helvetica Neue Light"/>
-                <a:ea typeface="Helvetica Neue Light"/>
-                <a:cs typeface="Helvetica Neue Light"/>
-                <a:sym typeface="Helvetica Neue Light"/>
-              </a:rPr>
-              <a:t>Founder &amp; Partner @ Quantia Consulting</a:t>
-            </a:r>
-            <a:endParaRPr b="0" i="0" sz="1300" u="none" cap="none" strike="noStrike">
-              <a:solidFill>
-                <a:srgbClr val="000000"/>
-              </a:solidFill>
-              <a:latin typeface="Calibri"/>
-              <a:ea typeface="Calibri"/>
-              <a:cs typeface="Calibri"/>
-              <a:sym typeface="Calibri"/>
-            </a:endParaRPr>
-          </a:p>
-          <a:p>
-            <a:pPr indent="-177800" lvl="0" marL="177800" marR="0" rtl="0" algn="l">
-              <a:lnSpc>
-                <a:spcPct val="100000"/>
-              </a:lnSpc>
-              <a:spcBef>
-                <a:spcPts val="0"/>
-              </a:spcBef>
-              <a:spcAft>
-                <a:spcPts val="0"/>
-              </a:spcAft>
-              <a:buClr>
-                <a:srgbClr val="FFFFFF"/>
-              </a:buClr>
-              <a:buSzPts val="1300"/>
-              <a:buFont typeface="Helvetica Neue Light"/>
-              <a:buNone/>
-            </a:pPr>
-            <a:r>
-              <a:rPr b="1" i="0" lang="en-US" sz="1300" u="none" cap="none" strike="noStrike">
-                <a:solidFill>
-                  <a:srgbClr val="FFFFFF"/>
-                </a:solidFill>
-                <a:latin typeface="Helvetica Neue Light"/>
-                <a:ea typeface="Helvetica Neue Light"/>
-                <a:cs typeface="Helvetica Neue Light"/>
-                <a:sym typeface="Helvetica Neue Light"/>
-              </a:rPr>
-              <a:t>Marco Balduini</a:t>
-            </a:r>
-            <a:endParaRPr b="1" i="0" sz="1300" u="none" cap="none" strike="noStrike">
-              <a:solidFill>
-                <a:srgbClr val="000000"/>
-              </a:solidFill>
-              <a:latin typeface="Calibri"/>
-              <a:ea typeface="Calibri"/>
-              <a:cs typeface="Calibri"/>
-              <a:sym typeface="Calibri"/>
-            </a:endParaRPr>
-          </a:p>
-          <a:p>
-            <a:pPr indent="-177800" lvl="0" marL="177800" marR="0" rtl="0" algn="l">
-              <a:lnSpc>
-                <a:spcPct val="100000"/>
-              </a:lnSpc>
-              <a:spcBef>
-                <a:spcPts val="0"/>
-              </a:spcBef>
-              <a:spcAft>
-                <a:spcPts val="0"/>
-              </a:spcAft>
-              <a:buClr>
-                <a:srgbClr val="FFFFFF"/>
-              </a:buClr>
-              <a:buSzPts val="1300"/>
-              <a:buFont typeface="Helvetica Neue Light"/>
-              <a:buNone/>
-            </a:pPr>
-            <a:r>
-              <a:rPr b="0" i="0" lang="en-US" sz="1300" u="none" cap="none" strike="noStrike">
-                <a:solidFill>
-                  <a:srgbClr val="FFFFFF"/>
-                </a:solidFill>
-                <a:latin typeface="Helvetica Neue Light"/>
-                <a:ea typeface="Helvetica Neue Light"/>
-                <a:cs typeface="Helvetica Neue Light"/>
-                <a:sym typeface="Helvetica Neue Light"/>
-              </a:rPr>
-              <a:t>Founder &amp; CEO @ Quantia Consulting</a:t>
-            </a:r>
-            <a:endParaRPr/>
-          </a:p>
-          <a:p>
-            <a:pPr indent="-177800" lvl="0" marL="177800" marR="0" rtl="0" algn="l">
-              <a:lnSpc>
-                <a:spcPct val="100000"/>
-              </a:lnSpc>
-              <a:spcBef>
-                <a:spcPts val="0"/>
-              </a:spcBef>
-              <a:spcAft>
-                <a:spcPts val="0"/>
-              </a:spcAft>
-              <a:buClr>
-                <a:srgbClr val="FFFFFF"/>
-              </a:buClr>
-              <a:buSzPts val="1300"/>
-              <a:buFont typeface="Helvetica Neue Light"/>
-              <a:buNone/>
-            </a:pPr>
-            <a:r>
-              <a:rPr b="1" i="0" lang="en-US" sz="1300" u="none" cap="none" strike="noStrike">
-                <a:solidFill>
-                  <a:srgbClr val="FFFFFF"/>
-                </a:solidFill>
-                <a:latin typeface="Helvetica Neue Light"/>
-                <a:ea typeface="Helvetica Neue Light"/>
-                <a:cs typeface="Helvetica Neue Light"/>
-                <a:sym typeface="Helvetica Neue Light"/>
-              </a:rPr>
-              <a:t>Riccardo Tommasini</a:t>
-            </a:r>
-            <a:endParaRPr b="1" i="0" sz="1300" u="none" cap="none" strike="noStrike">
-              <a:solidFill>
-                <a:srgbClr val="000000"/>
-              </a:solidFill>
-              <a:latin typeface="Calibri"/>
-              <a:ea typeface="Calibri"/>
-              <a:cs typeface="Calibri"/>
-              <a:sym typeface="Calibri"/>
-            </a:endParaRPr>
-          </a:p>
-          <a:p>
-            <a:pPr indent="-100013" lvl="0" marL="100013" marR="0" rtl="0" algn="l">
-              <a:lnSpc>
-                <a:spcPct val="100000"/>
-              </a:lnSpc>
-              <a:spcBef>
-                <a:spcPts val="0"/>
-              </a:spcBef>
-              <a:spcAft>
-                <a:spcPts val="0"/>
-              </a:spcAft>
-              <a:buClr>
-                <a:srgbClr val="FFFFFF"/>
-              </a:buClr>
-              <a:buSzPts val="1300"/>
-              <a:buFont typeface="Helvetica Neue Light"/>
-              <a:buNone/>
-            </a:pPr>
-            <a:r>
-              <a:rPr b="0" i="0" lang="en-US" sz="1300" u="none" cap="none" strike="noStrike">
-                <a:solidFill>
-                  <a:srgbClr val="FFFFFF"/>
-                </a:solidFill>
-                <a:latin typeface="Helvetica Neue Light"/>
-                <a:ea typeface="Helvetica Neue Light"/>
-                <a:cs typeface="Helvetica Neue Light"/>
-                <a:sym typeface="Helvetica Neue Light"/>
-              </a:rPr>
-              <a:t>Prof. @ University of Tartu</a:t>
-            </a:r>
-            <a:endParaRPr b="0" i="0" sz="1300" u="none" cap="none" strike="noStrike">
-              <a:solidFill>
-                <a:srgbClr val="000000"/>
-              </a:solidFill>
-              <a:latin typeface="Calibri"/>
-              <a:ea typeface="Calibri"/>
-              <a:cs typeface="Calibri"/>
-              <a:sym typeface="Calibri"/>
-            </a:endParaRPr>
-          </a:p>
-        </p:txBody>
-      </p:sp>
-      <p:sp>
-        <p:nvSpPr>
-          <p:cNvPr id="139" name="Google Shape;139;p9"/>
-          <p:cNvSpPr txBox="1"/>
           <p:nvPr>
             <p:ph idx="12" type="sldNum"/>
           </p:nvPr>
@@ -10729,6 +10949,312 @@
               <a:t>‹#›</a:t>
             </a:fld>
             <a:endParaRPr/>
+          </a:p>
+        </p:txBody>
+      </p:sp>
+      <p:sp>
+        <p:nvSpPr>
+          <p:cNvPr id="139" name="Google Shape;139;p9"/>
+          <p:cNvSpPr txBox="1"/>
+          <p:nvPr/>
+        </p:nvSpPr>
+        <p:spPr>
+          <a:xfrm>
+            <a:off x="711705" y="3507707"/>
+            <a:ext cx="5297100" cy="1400700"/>
+          </a:xfrm>
+          <a:prstGeom prst="rect">
+            <a:avLst/>
+          </a:prstGeom>
+          <a:noFill/>
+          <a:ln>
+            <a:noFill/>
+          </a:ln>
+        </p:spPr>
+        <p:txBody>
+          <a:bodyPr anchorCtr="0" anchor="t" bIns="0" lIns="0" spcFirstLastPara="1" rIns="0" wrap="square" tIns="0">
+            <a:spAutoFit/>
+          </a:bodyPr>
+          <a:lstStyle/>
+          <a:p>
+            <a:pPr indent="-177800" lvl="0" marL="177800" marR="0" rtl="0" algn="l">
+              <a:lnSpc>
+                <a:spcPct val="100000"/>
+              </a:lnSpc>
+              <a:spcBef>
+                <a:spcPts val="0"/>
+              </a:spcBef>
+              <a:spcAft>
+                <a:spcPts val="0"/>
+              </a:spcAft>
+              <a:buClr>
+                <a:srgbClr val="FFFFFF"/>
+              </a:buClr>
+              <a:buSzPts val="1300"/>
+              <a:buFont typeface="Helvetica Neue"/>
+              <a:buNone/>
+            </a:pPr>
+            <a:r>
+              <a:rPr b="0" i="0" lang="en-US" sz="1300" u="none" cap="none" strike="noStrike">
+                <a:solidFill>
+                  <a:srgbClr val="FFFFFF"/>
+                </a:solidFill>
+                <a:latin typeface="Helvetica Neue"/>
+                <a:ea typeface="Helvetica Neue"/>
+                <a:cs typeface="Helvetica Neue"/>
+                <a:sym typeface="Helvetica Neue"/>
+              </a:rPr>
+              <a:t>Emanuele Della Valle</a:t>
+            </a:r>
+            <a:endParaRPr b="0" i="0" sz="1400" u="none" cap="none" strike="noStrike">
+              <a:solidFill>
+                <a:srgbClr val="000000"/>
+              </a:solidFill>
+              <a:latin typeface="Calibri"/>
+              <a:ea typeface="Calibri"/>
+              <a:cs typeface="Calibri"/>
+              <a:sym typeface="Calibri"/>
+            </a:endParaRPr>
+          </a:p>
+          <a:p>
+            <a:pPr indent="-177800" lvl="0" marL="177800" marR="0" rtl="0" algn="l">
+              <a:lnSpc>
+                <a:spcPct val="100000"/>
+              </a:lnSpc>
+              <a:spcBef>
+                <a:spcPts val="0"/>
+              </a:spcBef>
+              <a:spcAft>
+                <a:spcPts val="0"/>
+              </a:spcAft>
+              <a:buClr>
+                <a:srgbClr val="FFFFFF"/>
+              </a:buClr>
+              <a:buSzPts val="1300"/>
+              <a:buFont typeface="Helvetica Neue"/>
+              <a:buNone/>
+            </a:pPr>
+            <a:r>
+              <a:rPr b="0" i="0" lang="en-US" sz="1300" u="none" cap="none" strike="noStrike">
+                <a:solidFill>
+                  <a:srgbClr val="FFFFFF"/>
+                </a:solidFill>
+                <a:latin typeface="Helvetica Neue"/>
+                <a:ea typeface="Helvetica Neue"/>
+                <a:cs typeface="Helvetica Neue"/>
+                <a:sym typeface="Helvetica Neue"/>
+              </a:rPr>
+              <a:t>Prof. @ Politecnico di Milano </a:t>
+            </a:r>
+            <a:endParaRPr b="0" i="0" sz="1400" u="none" cap="none" strike="noStrike">
+              <a:solidFill>
+                <a:srgbClr val="000000"/>
+              </a:solidFill>
+              <a:latin typeface="Calibri"/>
+              <a:ea typeface="Calibri"/>
+              <a:cs typeface="Calibri"/>
+              <a:sym typeface="Calibri"/>
+            </a:endParaRPr>
+          </a:p>
+          <a:p>
+            <a:pPr indent="-177800" lvl="0" marL="177800" marR="0" rtl="0" algn="l">
+              <a:lnSpc>
+                <a:spcPct val="100000"/>
+              </a:lnSpc>
+              <a:spcBef>
+                <a:spcPts val="0"/>
+              </a:spcBef>
+              <a:spcAft>
+                <a:spcPts val="0"/>
+              </a:spcAft>
+              <a:buClr>
+                <a:srgbClr val="FFFFFF"/>
+              </a:buClr>
+              <a:buSzPts val="1300"/>
+              <a:buFont typeface="Helvetica Neue"/>
+              <a:buNone/>
+            </a:pPr>
+            <a:r>
+              <a:rPr b="0" i="0" lang="en-US" sz="1300" u="none" cap="none" strike="noStrike">
+                <a:solidFill>
+                  <a:srgbClr val="FFFFFF"/>
+                </a:solidFill>
+                <a:latin typeface="Helvetica Neue"/>
+                <a:ea typeface="Helvetica Neue"/>
+                <a:cs typeface="Helvetica Neue"/>
+                <a:sym typeface="Helvetica Neue"/>
+              </a:rPr>
+              <a:t>Founder &amp; Partner @ Quantia Consulting</a:t>
+            </a:r>
+            <a:endParaRPr b="0" i="0" sz="1400" u="none" cap="none" strike="noStrike">
+              <a:solidFill>
+                <a:srgbClr val="000000"/>
+              </a:solidFill>
+              <a:latin typeface="Calibri"/>
+              <a:ea typeface="Calibri"/>
+              <a:cs typeface="Calibri"/>
+              <a:sym typeface="Calibri"/>
+            </a:endParaRPr>
+          </a:p>
+          <a:p>
+            <a:pPr indent="-177800" lvl="0" marL="177800" marR="0" rtl="0" algn="l">
+              <a:lnSpc>
+                <a:spcPct val="100000"/>
+              </a:lnSpc>
+              <a:spcBef>
+                <a:spcPts val="0"/>
+              </a:spcBef>
+              <a:spcAft>
+                <a:spcPts val="0"/>
+              </a:spcAft>
+              <a:buClr>
+                <a:srgbClr val="FFFFFF"/>
+              </a:buClr>
+              <a:buSzPts val="1300"/>
+              <a:buFont typeface="Helvetica Neue"/>
+              <a:buNone/>
+            </a:pPr>
+            <a:r>
+              <a:rPr b="0" i="0" lang="en-US" sz="1300" u="none" cap="none" strike="noStrike">
+                <a:solidFill>
+                  <a:srgbClr val="FFFFFF"/>
+                </a:solidFill>
+                <a:latin typeface="Helvetica Neue"/>
+                <a:ea typeface="Helvetica Neue"/>
+                <a:cs typeface="Helvetica Neue"/>
+                <a:sym typeface="Helvetica Neue"/>
+              </a:rPr>
+              <a:t>Marco Balduini</a:t>
+            </a:r>
+            <a:endParaRPr b="0" i="0" sz="1400" u="none" cap="none" strike="noStrike">
+              <a:solidFill>
+                <a:srgbClr val="000000"/>
+              </a:solidFill>
+              <a:latin typeface="Calibri"/>
+              <a:ea typeface="Calibri"/>
+              <a:cs typeface="Calibri"/>
+              <a:sym typeface="Calibri"/>
+            </a:endParaRPr>
+          </a:p>
+          <a:p>
+            <a:pPr indent="-177800" lvl="0" marL="177800" marR="0" rtl="0" algn="l">
+              <a:lnSpc>
+                <a:spcPct val="100000"/>
+              </a:lnSpc>
+              <a:spcBef>
+                <a:spcPts val="0"/>
+              </a:spcBef>
+              <a:spcAft>
+                <a:spcPts val="0"/>
+              </a:spcAft>
+              <a:buClr>
+                <a:srgbClr val="FFFFFF"/>
+              </a:buClr>
+              <a:buSzPts val="1300"/>
+              <a:buFont typeface="Helvetica Neue"/>
+              <a:buNone/>
+            </a:pPr>
+            <a:r>
+              <a:rPr b="0" i="0" lang="en-US" sz="1300" u="none" cap="none" strike="noStrike">
+                <a:solidFill>
+                  <a:srgbClr val="FFFFFF"/>
+                </a:solidFill>
+                <a:latin typeface="Helvetica Neue"/>
+                <a:ea typeface="Helvetica Neue"/>
+                <a:cs typeface="Helvetica Neue"/>
+                <a:sym typeface="Helvetica Neue"/>
+              </a:rPr>
+              <a:t>Founder &amp; CEO @ Quantia Consulting</a:t>
+            </a:r>
+            <a:endParaRPr b="0" i="0" sz="1800" u="none" cap="none" strike="noStrike">
+              <a:solidFill>
+                <a:srgbClr val="000000"/>
+              </a:solidFill>
+              <a:latin typeface="Calibri"/>
+              <a:ea typeface="Calibri"/>
+              <a:cs typeface="Calibri"/>
+              <a:sym typeface="Calibri"/>
+            </a:endParaRPr>
+          </a:p>
+          <a:p>
+            <a:pPr indent="-177800" lvl="0" marL="177800" marR="0" rtl="0" algn="l">
+              <a:lnSpc>
+                <a:spcPct val="100000"/>
+              </a:lnSpc>
+              <a:spcBef>
+                <a:spcPts val="0"/>
+              </a:spcBef>
+              <a:spcAft>
+                <a:spcPts val="0"/>
+              </a:spcAft>
+              <a:buClr>
+                <a:srgbClr val="FFFFFF"/>
+              </a:buClr>
+              <a:buSzPts val="1300"/>
+              <a:buFont typeface="Helvetica Neue"/>
+              <a:buNone/>
+            </a:pPr>
+            <a:r>
+              <a:rPr b="0" i="0" lang="en-US" sz="1300" u="none" cap="none" strike="noStrike">
+                <a:solidFill>
+                  <a:srgbClr val="FFFFFF"/>
+                </a:solidFill>
+                <a:latin typeface="Helvetica Neue"/>
+                <a:ea typeface="Helvetica Neue"/>
+                <a:cs typeface="Helvetica Neue"/>
+                <a:sym typeface="Helvetica Neue"/>
+              </a:rPr>
+              <a:t>Riccardo Tommasini</a:t>
+            </a:r>
+            <a:endParaRPr b="0" i="0" sz="1400" u="none" cap="none" strike="noStrike">
+              <a:solidFill>
+                <a:srgbClr val="000000"/>
+              </a:solidFill>
+              <a:latin typeface="Calibri"/>
+              <a:ea typeface="Calibri"/>
+              <a:cs typeface="Calibri"/>
+              <a:sym typeface="Calibri"/>
+            </a:endParaRPr>
+          </a:p>
+          <a:p>
+            <a:pPr indent="-100012" lvl="0" marL="100012" marR="0" rtl="0" algn="l">
+              <a:lnSpc>
+                <a:spcPct val="100000"/>
+              </a:lnSpc>
+              <a:spcBef>
+                <a:spcPts val="0"/>
+              </a:spcBef>
+              <a:spcAft>
+                <a:spcPts val="0"/>
+              </a:spcAft>
+              <a:buClr>
+                <a:srgbClr val="FFFFFF"/>
+              </a:buClr>
+              <a:buSzPts val="1300"/>
+              <a:buFont typeface="Helvetica Neue"/>
+              <a:buNone/>
+            </a:pPr>
+            <a:r>
+              <a:rPr b="0" i="0" lang="en-US" sz="1300" u="none" cap="none" strike="noStrike">
+                <a:solidFill>
+                  <a:srgbClr val="FFFFFF"/>
+                </a:solidFill>
+                <a:latin typeface="Helvetica Neue"/>
+                <a:ea typeface="Helvetica Neue"/>
+                <a:cs typeface="Helvetica Neue"/>
+                <a:sym typeface="Helvetica Neue"/>
+              </a:rPr>
+              <a:t>Prof. @ University of Tartu</a:t>
+            </a:r>
+            <a:endParaRPr b="0" i="0" sz="1400" u="none" cap="none" strike="noStrike">
+              <a:solidFill>
+                <a:srgbClr val="000000"/>
+              </a:solidFill>
+              <a:latin typeface="Arial"/>
+              <a:ea typeface="Arial"/>
+              <a:cs typeface="Arial"/>
+              <a:sym typeface="Arial"/>
+            </a:endParaRPr>
           </a:p>
         </p:txBody>
       </p:sp>

--- a/Training-material/day 2/07a_bootcamp-part2.pptx
+++ b/Training-material/day 2/07a_bootcamp-part2.pptx
@@ -274,7 +274,7 @@
   </p:defaultTextStyle>
   <p:extLst>
     <p:ext uri="http://customooxmlschemas.google.com/">
-      <go:slidesCustomData xmlns:go="http://customooxmlschemas.google.com/" r:id="rId26" roundtripDataSignature="AMtx7mh1lZo7ysYt352NvYN+h7EObNOLYg=="/>
+      <go:slidesCustomData xmlns:go="http://customooxmlschemas.google.com/" r:id="rId26" roundtripDataSignature="AMtx7mihbbb+0RNj+xZXnD43wyYjII3QzQ=="/>
     </p:ext>
   </p:extLst>
 </p:presentation>
@@ -2170,7 +2170,7 @@
           <a:ln cap="flat" cmpd="sng" w="9525">
             <a:solidFill>
               <a:srgbClr val="FFFFFF">
-                <a:alpha val="50588"/>
+                <a:alpha val="50196"/>
               </a:srgbClr>
             </a:solidFill>
             <a:prstDash val="solid"/>
@@ -2466,7 +2466,7 @@
           <p:nvPr/>
         </p:nvPicPr>
         <p:blipFill rotWithShape="1">
-          <a:blip r:embed="rId2">
+          <a:blip r:embed="rId5">
             <a:alphaModFix/>
           </a:blip>
           <a:srcRect b="0" l="0" r="0" t="0"/>
@@ -2493,7 +2493,7 @@
           <p:nvPr/>
         </p:nvPicPr>
         <p:blipFill rotWithShape="1">
-          <a:blip r:embed="rId3">
+          <a:blip r:embed="rId6">
             <a:alphaModFix/>
           </a:blip>
           <a:srcRect b="0" l="0" r="0" t="0"/>
@@ -2520,7 +2520,7 @@
           <p:nvPr/>
         </p:nvPicPr>
         <p:blipFill rotWithShape="1">
-          <a:blip r:embed="rId4">
+          <a:blip r:embed="rId7">
             <a:alphaModFix/>
           </a:blip>
           <a:srcRect b="0" l="0" r="0" t="0"/>
@@ -2806,7 +2806,7 @@
           <a:ln cap="flat" cmpd="sng" w="9525">
             <a:solidFill>
               <a:schemeClr val="lt1">
-                <a:alpha val="50588"/>
+                <a:alpha val="50196"/>
               </a:schemeClr>
             </a:solidFill>
             <a:prstDash val="solid"/>
@@ -3929,7 +3929,7 @@
           <a:ln cap="flat" cmpd="sng" w="9525">
             <a:solidFill>
               <a:schemeClr val="lt1">
-                <a:alpha val="50588"/>
+                <a:alpha val="50196"/>
               </a:schemeClr>
             </a:solidFill>
             <a:prstDash val="solid"/>
@@ -6967,8 +6967,8 @@
         </p:nvSpPr>
         <p:spPr>
           <a:xfrm>
-            <a:off x="3914936" y="4889489"/>
-            <a:ext cx="1314000" cy="184800"/>
+            <a:off x="3760347" y="4890125"/>
+            <a:ext cx="1623300" cy="92400"/>
           </a:xfrm>
           <a:prstGeom prst="rect">
             <a:avLst/>
@@ -8151,7 +8151,7 @@
               <a:buNone/>
             </a:pPr>
             <a:r>
-              <a:rPr b="0" i="0" lang="en-US" sz="1300" u="none" cap="none" strike="noStrike">
+              <a:rPr lang="en-US" sz="1300">
                 <a:solidFill>
                   <a:srgbClr val="FFFFFF"/>
                 </a:solidFill>
@@ -8160,7 +8160,7 @@
                 <a:cs typeface="Helvetica Neue"/>
                 <a:sym typeface="Helvetica Neue"/>
               </a:rPr>
-              <a:t>Prof. @ University of Tartu</a:t>
+              <a:t>Prof. @ INSA Lyon (France)</a:t>
             </a:r>
             <a:endParaRPr b="0" i="0" sz="1400" u="none" cap="none" strike="noStrike">
               <a:solidFill>
@@ -8427,7 +8427,7 @@
           <a:blip r:embed="rId3">
             <a:alphaModFix/>
           </a:blip>
-          <a:srcRect b="0" l="20414" r="8326" t="0"/>
+          <a:srcRect b="0" l="20413" r="8326" t="0"/>
           <a:stretch/>
         </p:blipFill>
         <p:spPr>
@@ -9380,7 +9380,7 @@
           </a:prstGeom>
           <a:solidFill>
             <a:srgbClr val="44546A">
-              <a:alpha val="73333"/>
+              <a:alpha val="72941"/>
             </a:srgbClr>
           </a:solidFill>
           <a:ln>
@@ -9441,7 +9441,7 @@
           </a:prstGeom>
           <a:solidFill>
             <a:srgbClr val="44546A">
-              <a:alpha val="73333"/>
+              <a:alpha val="72941"/>
             </a:srgbClr>
           </a:solidFill>
           <a:ln>
@@ -9502,7 +9502,7 @@
           </a:prstGeom>
           <a:solidFill>
             <a:srgbClr val="44546A">
-              <a:alpha val="73333"/>
+              <a:alpha val="72941"/>
             </a:srgbClr>
           </a:solidFill>
           <a:ln>
@@ -10473,7 +10473,7 @@
           <a:blip r:embed="rId3">
             <a:alphaModFix/>
           </a:blip>
-          <a:srcRect b="13342" l="0" r="0" t="23230"/>
+          <a:srcRect b="13341" l="0" r="0" t="23230"/>
           <a:stretch/>
         </p:blipFill>
         <p:spPr>
@@ -11235,7 +11235,7 @@
               <a:buNone/>
             </a:pPr>
             <a:r>
-              <a:rPr b="0" i="0" lang="en-US" sz="1300" u="none" cap="none" strike="noStrike">
+              <a:rPr lang="en-US" sz="1300">
                 <a:solidFill>
                   <a:srgbClr val="FFFFFF"/>
                 </a:solidFill>
@@ -11244,7 +11244,7 @@
                 <a:cs typeface="Helvetica Neue"/>
                 <a:sym typeface="Helvetica Neue"/>
               </a:rPr>
-              <a:t>Prof. @ University of Tartu</a:t>
+              <a:t>Prof. @ INSA Lyon (France)</a:t>
             </a:r>
             <a:endParaRPr b="0" i="0" sz="1400" u="none" cap="none" strike="noStrike">
               <a:solidFill>
